--- a/orginal file.pptx
+++ b/orginal file.pptx
@@ -6,6 +6,7 @@
   </p:sldMasterIdLst>
   <p:sldIdLst>
     <p:sldId id="257" r:id="rId2"/>
+    <p:sldId id="258" r:id="rId3"/>
   </p:sldIdLst>
   <p:sldSz cx="12192000" cy="6858000"/>
   <p:notesSz cx="6858000" cy="9144000"/>
@@ -104,6 +105,22 @@
       </a:defRPr>
     </a:lvl9pPr>
   </p:defaultTextStyle>
+  <p:extLst>
+    <p:ext uri="{EFAFB233-063F-42B5-8137-9DF3F51BA10A}">
+      <p15:sldGuideLst xmlns:p15="http://schemas.microsoft.com/office/powerpoint/2012/main">
+        <p15:guide id="1" orient="horz" pos="2160" userDrawn="1">
+          <p15:clr>
+            <a:srgbClr val="A4A3A4"/>
+          </p15:clr>
+        </p15:guide>
+        <p15:guide id="2" pos="3840" userDrawn="1">
+          <p15:clr>
+            <a:srgbClr val="A4A3A4"/>
+          </p15:clr>
+        </p15:guide>
+      </p15:sldGuideLst>
+    </p:ext>
+  </p:extLst>
 </p:presentation>
 </file>
 
@@ -254,7 +271,7 @@
           <a:p>
             <a:fld id="{FF143A58-3210-4CFC-B34A-6534F5FBAFE6}" type="datetimeFigureOut">
               <a:rPr lang="en-US" smtClean="0"/>
-              <a:t>2021-10-31</a:t>
+              <a:t>2021-11-08</a:t>
             </a:fld>
             <a:endParaRPr lang="en-US"/>
           </a:p>
@@ -452,7 +469,7 @@
           <a:p>
             <a:fld id="{FF143A58-3210-4CFC-B34A-6534F5FBAFE6}" type="datetimeFigureOut">
               <a:rPr lang="en-US" smtClean="0"/>
-              <a:t>2021-10-31</a:t>
+              <a:t>2021-11-08</a:t>
             </a:fld>
             <a:endParaRPr lang="en-US"/>
           </a:p>
@@ -660,7 +677,7 @@
           <a:p>
             <a:fld id="{FF143A58-3210-4CFC-B34A-6534F5FBAFE6}" type="datetimeFigureOut">
               <a:rPr lang="en-US" smtClean="0"/>
-              <a:t>2021-10-31</a:t>
+              <a:t>2021-11-08</a:t>
             </a:fld>
             <a:endParaRPr lang="en-US"/>
           </a:p>
@@ -858,7 +875,7 @@
           <a:p>
             <a:fld id="{FF143A58-3210-4CFC-B34A-6534F5FBAFE6}" type="datetimeFigureOut">
               <a:rPr lang="en-US" smtClean="0"/>
-              <a:t>2021-10-31</a:t>
+              <a:t>2021-11-08</a:t>
             </a:fld>
             <a:endParaRPr lang="en-US"/>
           </a:p>
@@ -1133,7 +1150,7 @@
           <a:p>
             <a:fld id="{FF143A58-3210-4CFC-B34A-6534F5FBAFE6}" type="datetimeFigureOut">
               <a:rPr lang="en-US" smtClean="0"/>
-              <a:t>2021-10-31</a:t>
+              <a:t>2021-11-08</a:t>
             </a:fld>
             <a:endParaRPr lang="en-US"/>
           </a:p>
@@ -1398,7 +1415,7 @@
           <a:p>
             <a:fld id="{FF143A58-3210-4CFC-B34A-6534F5FBAFE6}" type="datetimeFigureOut">
               <a:rPr lang="en-US" smtClean="0"/>
-              <a:t>2021-10-31</a:t>
+              <a:t>2021-11-08</a:t>
             </a:fld>
             <a:endParaRPr lang="en-US"/>
           </a:p>
@@ -1810,7 +1827,7 @@
           <a:p>
             <a:fld id="{FF143A58-3210-4CFC-B34A-6534F5FBAFE6}" type="datetimeFigureOut">
               <a:rPr lang="en-US" smtClean="0"/>
-              <a:t>2021-10-31</a:t>
+              <a:t>2021-11-08</a:t>
             </a:fld>
             <a:endParaRPr lang="en-US"/>
           </a:p>
@@ -1951,7 +1968,7 @@
           <a:p>
             <a:fld id="{FF143A58-3210-4CFC-B34A-6534F5FBAFE6}" type="datetimeFigureOut">
               <a:rPr lang="en-US" smtClean="0"/>
-              <a:t>2021-10-31</a:t>
+              <a:t>2021-11-08</a:t>
             </a:fld>
             <a:endParaRPr lang="en-US"/>
           </a:p>
@@ -2064,7 +2081,7 @@
           <a:p>
             <a:fld id="{FF143A58-3210-4CFC-B34A-6534F5FBAFE6}" type="datetimeFigureOut">
               <a:rPr lang="en-US" smtClean="0"/>
-              <a:t>2021-10-31</a:t>
+              <a:t>2021-11-08</a:t>
             </a:fld>
             <a:endParaRPr lang="en-US"/>
           </a:p>
@@ -2375,7 +2392,7 @@
           <a:p>
             <a:fld id="{FF143A58-3210-4CFC-B34A-6534F5FBAFE6}" type="datetimeFigureOut">
               <a:rPr lang="en-US" smtClean="0"/>
-              <a:t>2021-10-31</a:t>
+              <a:t>2021-11-08</a:t>
             </a:fld>
             <a:endParaRPr lang="en-US"/>
           </a:p>
@@ -2663,7 +2680,7 @@
           <a:p>
             <a:fld id="{FF143A58-3210-4CFC-B34A-6534F5FBAFE6}" type="datetimeFigureOut">
               <a:rPr lang="en-US" smtClean="0"/>
-              <a:t>2021-10-31</a:t>
+              <a:t>2021-11-08</a:t>
             </a:fld>
             <a:endParaRPr lang="en-US"/>
           </a:p>
@@ -2904,7 +2921,7 @@
           <a:p>
             <a:fld id="{FF143A58-3210-4CFC-B34A-6534F5FBAFE6}" type="datetimeFigureOut">
               <a:rPr lang="en-US" smtClean="0"/>
-              <a:t>2021-10-31</a:t>
+              <a:t>2021-11-08</a:t>
             </a:fld>
             <a:endParaRPr lang="en-US"/>
           </a:p>
@@ -5913,6 +5930,4421 @@
 </p:sld>
 </file>
 
+<file path=ppt/slides/slide2.xml><?xml version="1.0" encoding="utf-8"?>
+<p:sld xmlns:a="http://schemas.openxmlformats.org/drawingml/2006/main" xmlns:r="http://schemas.openxmlformats.org/officeDocument/2006/relationships" xmlns:p="http://schemas.openxmlformats.org/presentationml/2006/main">
+  <p:cSld>
+    <p:spTree>
+      <p:nvGrpSpPr>
+        <p:cNvPr id="1" name=""/>
+        <p:cNvGrpSpPr/>
+        <p:nvPr/>
+      </p:nvGrpSpPr>
+      <p:grpSpPr>
+        <a:xfrm>
+          <a:off x="0" y="0"/>
+          <a:ext cx="0" cy="0"/>
+          <a:chOff x="0" y="0"/>
+          <a:chExt cx="0" cy="0"/>
+        </a:xfrm>
+      </p:grpSpPr>
+      <p:sp>
+        <p:nvSpPr>
+          <p:cNvPr id="3" name="Rectangle 2">
+            <a:extLst>
+              <a:ext uri="{FF2B5EF4-FFF2-40B4-BE49-F238E27FC236}">
+                <a16:creationId xmlns:a16="http://schemas.microsoft.com/office/drawing/2014/main" id="{CEFE11AB-55F8-4432-AD00-8C61EE48000D}"/>
+              </a:ext>
+            </a:extLst>
+          </p:cNvPr>
+          <p:cNvSpPr/>
+          <p:nvPr/>
+        </p:nvSpPr>
+        <p:spPr>
+          <a:xfrm>
+            <a:off x="44810" y="448056"/>
+            <a:ext cx="11376676" cy="4623292"/>
+          </a:xfrm>
+          <a:prstGeom prst="rect">
+            <a:avLst/>
+          </a:prstGeom>
+          <a:solidFill>
+            <a:schemeClr val="bg1">
+              <a:lumMod val="95000"/>
+            </a:schemeClr>
+          </a:solidFill>
+          <a:ln>
+            <a:solidFill>
+              <a:schemeClr val="tx1">
+                <a:lumMod val="95000"/>
+                <a:lumOff val="5000"/>
+              </a:schemeClr>
+            </a:solidFill>
+          </a:ln>
+        </p:spPr>
+        <p:style>
+          <a:lnRef idx="2">
+            <a:schemeClr val="accent1">
+              <a:shade val="50000"/>
+            </a:schemeClr>
+          </a:lnRef>
+          <a:fillRef idx="1">
+            <a:schemeClr val="accent1"/>
+          </a:fillRef>
+          <a:effectRef idx="0">
+            <a:schemeClr val="accent1"/>
+          </a:effectRef>
+          <a:fontRef idx="minor">
+            <a:schemeClr val="lt1"/>
+          </a:fontRef>
+        </p:style>
+        <p:txBody>
+          <a:bodyPr rtlCol="0" anchor="ctr"/>
+          <a:lstStyle/>
+          <a:p>
+            <a:pPr algn="ctr"/>
+            <a:endParaRPr lang="en-US" dirty="0"/>
+          </a:p>
+        </p:txBody>
+      </p:sp>
+      <p:sp>
+        <p:nvSpPr>
+          <p:cNvPr id="4" name="Rectangle 3">
+            <a:extLst>
+              <a:ext uri="{FF2B5EF4-FFF2-40B4-BE49-F238E27FC236}">
+                <a16:creationId xmlns:a16="http://schemas.microsoft.com/office/drawing/2014/main" id="{C2B9C354-F2B8-409A-9965-D955551D9B10}"/>
+              </a:ext>
+            </a:extLst>
+          </p:cNvPr>
+          <p:cNvSpPr/>
+          <p:nvPr/>
+        </p:nvSpPr>
+        <p:spPr>
+          <a:xfrm>
+            <a:off x="106402" y="1629385"/>
+            <a:ext cx="11250992" cy="297989"/>
+          </a:xfrm>
+          <a:prstGeom prst="rect">
+            <a:avLst/>
+          </a:prstGeom>
+          <a:solidFill>
+            <a:schemeClr val="bg1">
+              <a:lumMod val="50000"/>
+            </a:schemeClr>
+          </a:solidFill>
+          <a:ln>
+            <a:noFill/>
+          </a:ln>
+          <a:effectLst>
+            <a:outerShdw blurRad="50800" dist="38100" dir="2700000" algn="tl" rotWithShape="0">
+              <a:prstClr val="black">
+                <a:alpha val="40000"/>
+              </a:prstClr>
+            </a:outerShdw>
+          </a:effectLst>
+        </p:spPr>
+        <p:style>
+          <a:lnRef idx="2">
+            <a:schemeClr val="accent1">
+              <a:shade val="50000"/>
+            </a:schemeClr>
+          </a:lnRef>
+          <a:fillRef idx="1">
+            <a:schemeClr val="accent1"/>
+          </a:fillRef>
+          <a:effectRef idx="0">
+            <a:schemeClr val="accent1"/>
+          </a:effectRef>
+          <a:fontRef idx="minor">
+            <a:schemeClr val="lt1"/>
+          </a:fontRef>
+        </p:style>
+        <p:txBody>
+          <a:bodyPr rtlCol="0" anchor="ctr"/>
+          <a:lstStyle/>
+          <a:p>
+            <a:r>
+              <a:rPr lang="en-US" sz="2000" b="1" dirty="0"/>
+              <a:t>Sales Trend %</a:t>
+            </a:r>
+          </a:p>
+        </p:txBody>
+      </p:sp>
+      <p:sp>
+        <p:nvSpPr>
+          <p:cNvPr id="6" name="Rectangle 5">
+            <a:extLst>
+              <a:ext uri="{FF2B5EF4-FFF2-40B4-BE49-F238E27FC236}">
+                <a16:creationId xmlns:a16="http://schemas.microsoft.com/office/drawing/2014/main" id="{B60319D8-AA1E-4B61-A63A-62DC27FD2962}"/>
+              </a:ext>
+            </a:extLst>
+          </p:cNvPr>
+          <p:cNvSpPr/>
+          <p:nvPr/>
+        </p:nvSpPr>
+        <p:spPr>
+          <a:xfrm>
+            <a:off x="131065" y="2734937"/>
+            <a:ext cx="11226330" cy="338328"/>
+          </a:xfrm>
+          <a:prstGeom prst="rect">
+            <a:avLst/>
+          </a:prstGeom>
+          <a:solidFill>
+            <a:schemeClr val="bg1">
+              <a:lumMod val="50000"/>
+            </a:schemeClr>
+          </a:solidFill>
+          <a:effectLst>
+            <a:outerShdw blurRad="50800" dist="38100" dir="2700000" algn="tl" rotWithShape="0">
+              <a:prstClr val="black">
+                <a:alpha val="40000"/>
+              </a:prstClr>
+            </a:outerShdw>
+          </a:effectLst>
+        </p:spPr>
+        <p:style>
+          <a:lnRef idx="2">
+            <a:schemeClr val="accent1">
+              <a:shade val="50000"/>
+            </a:schemeClr>
+          </a:lnRef>
+          <a:fillRef idx="1">
+            <a:schemeClr val="accent1"/>
+          </a:fillRef>
+          <a:effectRef idx="0">
+            <a:schemeClr val="accent1"/>
+          </a:effectRef>
+          <a:fontRef idx="minor">
+            <a:schemeClr val="lt1"/>
+          </a:fontRef>
+        </p:style>
+        <p:txBody>
+          <a:bodyPr rtlCol="0" anchor="ctr"/>
+          <a:lstStyle/>
+          <a:p>
+            <a:r>
+              <a:rPr lang="en-US" sz="2000" b="1" dirty="0"/>
+              <a:t>Seen Rx </a:t>
+            </a:r>
+          </a:p>
+        </p:txBody>
+      </p:sp>
+      <p:sp>
+        <p:nvSpPr>
+          <p:cNvPr id="7" name="Rectangle 6">
+            <a:extLst>
+              <a:ext uri="{FF2B5EF4-FFF2-40B4-BE49-F238E27FC236}">
+                <a16:creationId xmlns:a16="http://schemas.microsoft.com/office/drawing/2014/main" id="{37B518B5-9FB7-40BA-929B-140CEDD24AF8}"/>
+              </a:ext>
+            </a:extLst>
+          </p:cNvPr>
+          <p:cNvSpPr/>
+          <p:nvPr/>
+        </p:nvSpPr>
+        <p:spPr>
+          <a:xfrm>
+            <a:off x="131064" y="3950945"/>
+            <a:ext cx="11240177" cy="338328"/>
+          </a:xfrm>
+          <a:prstGeom prst="rect">
+            <a:avLst/>
+          </a:prstGeom>
+          <a:solidFill>
+            <a:schemeClr val="bg1">
+              <a:lumMod val="50000"/>
+            </a:schemeClr>
+          </a:solidFill>
+          <a:effectLst>
+            <a:outerShdw blurRad="50800" dist="38100" dir="2700000" algn="tl" rotWithShape="0">
+              <a:prstClr val="black">
+                <a:alpha val="40000"/>
+              </a:prstClr>
+            </a:outerShdw>
+          </a:effectLst>
+        </p:spPr>
+        <p:style>
+          <a:lnRef idx="2">
+            <a:schemeClr val="accent1">
+              <a:shade val="50000"/>
+            </a:schemeClr>
+          </a:lnRef>
+          <a:fillRef idx="1">
+            <a:schemeClr val="accent1"/>
+          </a:fillRef>
+          <a:effectRef idx="0">
+            <a:schemeClr val="accent1"/>
+          </a:effectRef>
+          <a:fontRef idx="minor">
+            <a:schemeClr val="lt1"/>
+          </a:fontRef>
+        </p:style>
+        <p:txBody>
+          <a:bodyPr rtlCol="0" anchor="ctr"/>
+          <a:lstStyle/>
+          <a:p>
+            <a:r>
+              <a:rPr lang="en-US" sz="2000" b="1" dirty="0"/>
+              <a:t>Doctor Call</a:t>
+            </a:r>
+          </a:p>
+        </p:txBody>
+      </p:sp>
+      <p:sp>
+        <p:nvSpPr>
+          <p:cNvPr id="43" name="Rectangle: Rounded Corners 42">
+            <a:extLst>
+              <a:ext uri="{FF2B5EF4-FFF2-40B4-BE49-F238E27FC236}">
+                <a16:creationId xmlns:a16="http://schemas.microsoft.com/office/drawing/2014/main" id="{1F7EAD50-6016-4F7E-94E0-93C65AF1195A}"/>
+              </a:ext>
+            </a:extLst>
+          </p:cNvPr>
+          <p:cNvSpPr/>
+          <p:nvPr/>
+        </p:nvSpPr>
+        <p:spPr>
+          <a:xfrm>
+            <a:off x="131064" y="4400147"/>
+            <a:ext cx="853043" cy="603197"/>
+          </a:xfrm>
+          <a:prstGeom prst="roundRect">
+            <a:avLst/>
+          </a:prstGeom>
+          <a:solidFill>
+            <a:srgbClr val="58D2EA"/>
+          </a:solidFill>
+        </p:spPr>
+        <p:style>
+          <a:lnRef idx="2">
+            <a:schemeClr val="accent4">
+              <a:shade val="50000"/>
+            </a:schemeClr>
+          </a:lnRef>
+          <a:fillRef idx="1">
+            <a:schemeClr val="accent4"/>
+          </a:fillRef>
+          <a:effectRef idx="0">
+            <a:schemeClr val="accent4"/>
+          </a:effectRef>
+          <a:fontRef idx="minor">
+            <a:schemeClr val="lt1"/>
+          </a:fontRef>
+        </p:style>
+        <p:txBody>
+          <a:bodyPr rtlCol="0" anchor="ctr"/>
+          <a:lstStyle/>
+          <a:p>
+            <a:pPr algn="ctr"/>
+            <a:endParaRPr lang="en-US" b="1" dirty="0">
+              <a:solidFill>
+                <a:schemeClr val="tx1"/>
+              </a:solidFill>
+            </a:endParaRPr>
+          </a:p>
+        </p:txBody>
+      </p:sp>
+      <p:sp>
+        <p:nvSpPr>
+          <p:cNvPr id="44" name="Rectangle: Rounded Corners 43">
+            <a:extLst>
+              <a:ext uri="{FF2B5EF4-FFF2-40B4-BE49-F238E27FC236}">
+                <a16:creationId xmlns:a16="http://schemas.microsoft.com/office/drawing/2014/main" id="{0A534F06-3F31-4865-B34B-FC4C9E49170D}"/>
+              </a:ext>
+            </a:extLst>
+          </p:cNvPr>
+          <p:cNvSpPr/>
+          <p:nvPr/>
+        </p:nvSpPr>
+        <p:spPr>
+          <a:xfrm>
+            <a:off x="1054211" y="4399147"/>
+            <a:ext cx="853043" cy="623673"/>
+          </a:xfrm>
+          <a:prstGeom prst="roundRect">
+            <a:avLst/>
+          </a:prstGeom>
+          <a:solidFill>
+            <a:srgbClr val="58D2EA"/>
+          </a:solidFill>
+        </p:spPr>
+        <p:style>
+          <a:lnRef idx="2">
+            <a:schemeClr val="accent4">
+              <a:shade val="50000"/>
+            </a:schemeClr>
+          </a:lnRef>
+          <a:fillRef idx="1">
+            <a:schemeClr val="accent4"/>
+          </a:fillRef>
+          <a:effectRef idx="0">
+            <a:schemeClr val="accent4"/>
+          </a:effectRef>
+          <a:fontRef idx="minor">
+            <a:schemeClr val="lt1"/>
+          </a:fontRef>
+        </p:style>
+        <p:txBody>
+          <a:bodyPr rtlCol="0" anchor="ctr"/>
+          <a:lstStyle/>
+          <a:p>
+            <a:pPr algn="ctr"/>
+            <a:endParaRPr lang="en-US"/>
+          </a:p>
+        </p:txBody>
+      </p:sp>
+      <p:sp>
+        <p:nvSpPr>
+          <p:cNvPr id="45" name="Rectangle: Rounded Corners 44">
+            <a:extLst>
+              <a:ext uri="{FF2B5EF4-FFF2-40B4-BE49-F238E27FC236}">
+                <a16:creationId xmlns:a16="http://schemas.microsoft.com/office/drawing/2014/main" id="{3BB19622-7FB4-48BA-9EE9-24B49D315E1A}"/>
+              </a:ext>
+            </a:extLst>
+          </p:cNvPr>
+          <p:cNvSpPr/>
+          <p:nvPr/>
+        </p:nvSpPr>
+        <p:spPr>
+          <a:xfrm>
+            <a:off x="2010886" y="4398744"/>
+            <a:ext cx="853043" cy="624076"/>
+          </a:xfrm>
+          <a:prstGeom prst="roundRect">
+            <a:avLst/>
+          </a:prstGeom>
+          <a:solidFill>
+            <a:srgbClr val="58D2EA"/>
+          </a:solidFill>
+        </p:spPr>
+        <p:style>
+          <a:lnRef idx="2">
+            <a:schemeClr val="accent4">
+              <a:shade val="50000"/>
+            </a:schemeClr>
+          </a:lnRef>
+          <a:fillRef idx="1">
+            <a:schemeClr val="accent4"/>
+          </a:fillRef>
+          <a:effectRef idx="0">
+            <a:schemeClr val="accent4"/>
+          </a:effectRef>
+          <a:fontRef idx="minor">
+            <a:schemeClr val="lt1"/>
+          </a:fontRef>
+        </p:style>
+        <p:txBody>
+          <a:bodyPr rtlCol="0" anchor="ctr"/>
+          <a:lstStyle/>
+          <a:p>
+            <a:pPr algn="ctr"/>
+            <a:endParaRPr lang="en-US"/>
+          </a:p>
+        </p:txBody>
+      </p:sp>
+      <p:sp>
+        <p:nvSpPr>
+          <p:cNvPr id="46" name="Rectangle: Rounded Corners 45">
+            <a:extLst>
+              <a:ext uri="{FF2B5EF4-FFF2-40B4-BE49-F238E27FC236}">
+                <a16:creationId xmlns:a16="http://schemas.microsoft.com/office/drawing/2014/main" id="{F438646B-0DB4-49A8-B7F7-CBEE7AB83FAE}"/>
+              </a:ext>
+            </a:extLst>
+          </p:cNvPr>
+          <p:cNvSpPr/>
+          <p:nvPr/>
+        </p:nvSpPr>
+        <p:spPr>
+          <a:xfrm>
+            <a:off x="2947165" y="4392028"/>
+            <a:ext cx="853043" cy="630792"/>
+          </a:xfrm>
+          <a:prstGeom prst="roundRect">
+            <a:avLst/>
+          </a:prstGeom>
+          <a:solidFill>
+            <a:srgbClr val="58D2EA"/>
+          </a:solidFill>
+        </p:spPr>
+        <p:style>
+          <a:lnRef idx="2">
+            <a:schemeClr val="accent4">
+              <a:shade val="50000"/>
+            </a:schemeClr>
+          </a:lnRef>
+          <a:fillRef idx="1">
+            <a:schemeClr val="accent4"/>
+          </a:fillRef>
+          <a:effectRef idx="0">
+            <a:schemeClr val="accent4"/>
+          </a:effectRef>
+          <a:fontRef idx="minor">
+            <a:schemeClr val="lt1"/>
+          </a:fontRef>
+        </p:style>
+        <p:txBody>
+          <a:bodyPr rtlCol="0" anchor="ctr"/>
+          <a:lstStyle/>
+          <a:p>
+            <a:pPr algn="ctr"/>
+            <a:endParaRPr lang="en-US"/>
+          </a:p>
+        </p:txBody>
+      </p:sp>
+      <p:sp>
+        <p:nvSpPr>
+          <p:cNvPr id="47" name="Rectangle: Rounded Corners 46">
+            <a:extLst>
+              <a:ext uri="{FF2B5EF4-FFF2-40B4-BE49-F238E27FC236}">
+                <a16:creationId xmlns:a16="http://schemas.microsoft.com/office/drawing/2014/main" id="{6CA580B7-930D-4CA9-BD12-A93FD02C56FD}"/>
+              </a:ext>
+            </a:extLst>
+          </p:cNvPr>
+          <p:cNvSpPr/>
+          <p:nvPr/>
+        </p:nvSpPr>
+        <p:spPr>
+          <a:xfrm>
+            <a:off x="3886319" y="4411600"/>
+            <a:ext cx="853043" cy="604504"/>
+          </a:xfrm>
+          <a:prstGeom prst="roundRect">
+            <a:avLst/>
+          </a:prstGeom>
+          <a:solidFill>
+            <a:srgbClr val="58D2EA"/>
+          </a:solidFill>
+        </p:spPr>
+        <p:style>
+          <a:lnRef idx="2">
+            <a:schemeClr val="accent4">
+              <a:shade val="50000"/>
+            </a:schemeClr>
+          </a:lnRef>
+          <a:fillRef idx="1">
+            <a:schemeClr val="accent4"/>
+          </a:fillRef>
+          <a:effectRef idx="0">
+            <a:schemeClr val="accent4"/>
+          </a:effectRef>
+          <a:fontRef idx="minor">
+            <a:schemeClr val="lt1"/>
+          </a:fontRef>
+        </p:style>
+        <p:txBody>
+          <a:bodyPr rtlCol="0" anchor="ctr"/>
+          <a:lstStyle/>
+          <a:p>
+            <a:pPr algn="ctr"/>
+            <a:endParaRPr lang="en-US"/>
+          </a:p>
+        </p:txBody>
+      </p:sp>
+      <p:sp>
+        <p:nvSpPr>
+          <p:cNvPr id="48" name="Rectangle: Rounded Corners 47">
+            <a:extLst>
+              <a:ext uri="{FF2B5EF4-FFF2-40B4-BE49-F238E27FC236}">
+                <a16:creationId xmlns:a16="http://schemas.microsoft.com/office/drawing/2014/main" id="{82FAF25B-E6E5-4A99-8B76-75557E00DC5B}"/>
+              </a:ext>
+            </a:extLst>
+          </p:cNvPr>
+          <p:cNvSpPr/>
+          <p:nvPr/>
+        </p:nvSpPr>
+        <p:spPr>
+          <a:xfrm>
+            <a:off x="4829413" y="4398840"/>
+            <a:ext cx="853043" cy="623980"/>
+          </a:xfrm>
+          <a:prstGeom prst="roundRect">
+            <a:avLst/>
+          </a:prstGeom>
+          <a:solidFill>
+            <a:srgbClr val="58D2EA"/>
+          </a:solidFill>
+        </p:spPr>
+        <p:style>
+          <a:lnRef idx="2">
+            <a:schemeClr val="accent4">
+              <a:shade val="50000"/>
+            </a:schemeClr>
+          </a:lnRef>
+          <a:fillRef idx="1">
+            <a:schemeClr val="accent4"/>
+          </a:fillRef>
+          <a:effectRef idx="0">
+            <a:schemeClr val="accent4"/>
+          </a:effectRef>
+          <a:fontRef idx="minor">
+            <a:schemeClr val="lt1"/>
+          </a:fontRef>
+        </p:style>
+        <p:txBody>
+          <a:bodyPr rtlCol="0" anchor="ctr"/>
+          <a:lstStyle/>
+          <a:p>
+            <a:pPr algn="ctr"/>
+            <a:endParaRPr lang="en-US"/>
+          </a:p>
+        </p:txBody>
+      </p:sp>
+      <p:sp>
+        <p:nvSpPr>
+          <p:cNvPr id="49" name="Rectangle: Rounded Corners 48">
+            <a:extLst>
+              <a:ext uri="{FF2B5EF4-FFF2-40B4-BE49-F238E27FC236}">
+                <a16:creationId xmlns:a16="http://schemas.microsoft.com/office/drawing/2014/main" id="{02755A16-1167-40B4-9670-2E1A0AE4EB46}"/>
+              </a:ext>
+            </a:extLst>
+          </p:cNvPr>
+          <p:cNvSpPr/>
+          <p:nvPr/>
+        </p:nvSpPr>
+        <p:spPr>
+          <a:xfrm>
+            <a:off x="5767146" y="4413007"/>
+            <a:ext cx="853043" cy="604504"/>
+          </a:xfrm>
+          <a:prstGeom prst="roundRect">
+            <a:avLst/>
+          </a:prstGeom>
+          <a:solidFill>
+            <a:srgbClr val="58D2EA"/>
+          </a:solidFill>
+        </p:spPr>
+        <p:style>
+          <a:lnRef idx="2">
+            <a:schemeClr val="accent4">
+              <a:shade val="50000"/>
+            </a:schemeClr>
+          </a:lnRef>
+          <a:fillRef idx="1">
+            <a:schemeClr val="accent4"/>
+          </a:fillRef>
+          <a:effectRef idx="0">
+            <a:schemeClr val="accent4"/>
+          </a:effectRef>
+          <a:fontRef idx="minor">
+            <a:schemeClr val="lt1"/>
+          </a:fontRef>
+        </p:style>
+        <p:txBody>
+          <a:bodyPr rtlCol="0" anchor="ctr"/>
+          <a:lstStyle/>
+          <a:p>
+            <a:pPr algn="ctr"/>
+            <a:endParaRPr lang="en-US"/>
+          </a:p>
+        </p:txBody>
+      </p:sp>
+      <p:sp>
+        <p:nvSpPr>
+          <p:cNvPr id="50" name="Rectangle: Rounded Corners 49">
+            <a:extLst>
+              <a:ext uri="{FF2B5EF4-FFF2-40B4-BE49-F238E27FC236}">
+                <a16:creationId xmlns:a16="http://schemas.microsoft.com/office/drawing/2014/main" id="{B461EDE6-8361-4851-BFF3-4D7FC81C8538}"/>
+              </a:ext>
+            </a:extLst>
+          </p:cNvPr>
+          <p:cNvSpPr/>
+          <p:nvPr/>
+        </p:nvSpPr>
+        <p:spPr>
+          <a:xfrm>
+            <a:off x="6757036" y="4407838"/>
+            <a:ext cx="853043" cy="604504"/>
+          </a:xfrm>
+          <a:prstGeom prst="roundRect">
+            <a:avLst/>
+          </a:prstGeom>
+          <a:solidFill>
+            <a:srgbClr val="58D2EA"/>
+          </a:solidFill>
+        </p:spPr>
+        <p:style>
+          <a:lnRef idx="2">
+            <a:schemeClr val="accent4">
+              <a:shade val="50000"/>
+            </a:schemeClr>
+          </a:lnRef>
+          <a:fillRef idx="1">
+            <a:schemeClr val="accent4"/>
+          </a:fillRef>
+          <a:effectRef idx="0">
+            <a:schemeClr val="accent4"/>
+          </a:effectRef>
+          <a:fontRef idx="minor">
+            <a:schemeClr val="lt1"/>
+          </a:fontRef>
+        </p:style>
+        <p:txBody>
+          <a:bodyPr rtlCol="0" anchor="ctr"/>
+          <a:lstStyle/>
+          <a:p>
+            <a:pPr algn="ctr"/>
+            <a:endParaRPr lang="en-US" dirty="0"/>
+          </a:p>
+        </p:txBody>
+      </p:sp>
+      <p:sp>
+        <p:nvSpPr>
+          <p:cNvPr id="51" name="Rectangle: Rounded Corners 50">
+            <a:extLst>
+              <a:ext uri="{FF2B5EF4-FFF2-40B4-BE49-F238E27FC236}">
+                <a16:creationId xmlns:a16="http://schemas.microsoft.com/office/drawing/2014/main" id="{164EE48F-F90E-4766-AC1B-BAC7354CD172}"/>
+              </a:ext>
+            </a:extLst>
+          </p:cNvPr>
+          <p:cNvSpPr/>
+          <p:nvPr/>
+        </p:nvSpPr>
+        <p:spPr>
+          <a:xfrm>
+            <a:off x="7688206" y="4389528"/>
+            <a:ext cx="853043" cy="613816"/>
+          </a:xfrm>
+          <a:prstGeom prst="roundRect">
+            <a:avLst/>
+          </a:prstGeom>
+          <a:solidFill>
+            <a:srgbClr val="58D2EA"/>
+          </a:solidFill>
+        </p:spPr>
+        <p:style>
+          <a:lnRef idx="2">
+            <a:schemeClr val="accent4">
+              <a:shade val="50000"/>
+            </a:schemeClr>
+          </a:lnRef>
+          <a:fillRef idx="1">
+            <a:schemeClr val="accent4"/>
+          </a:fillRef>
+          <a:effectRef idx="0">
+            <a:schemeClr val="accent4"/>
+          </a:effectRef>
+          <a:fontRef idx="minor">
+            <a:schemeClr val="lt1"/>
+          </a:fontRef>
+        </p:style>
+        <p:txBody>
+          <a:bodyPr rtlCol="0" anchor="ctr"/>
+          <a:lstStyle/>
+          <a:p>
+            <a:pPr algn="ctr"/>
+            <a:endParaRPr lang="en-US" dirty="0"/>
+          </a:p>
+        </p:txBody>
+      </p:sp>
+      <p:sp>
+        <p:nvSpPr>
+          <p:cNvPr id="52" name="TextBox 51">
+            <a:extLst>
+              <a:ext uri="{FF2B5EF4-FFF2-40B4-BE49-F238E27FC236}">
+                <a16:creationId xmlns:a16="http://schemas.microsoft.com/office/drawing/2014/main" id="{6C194DE4-52DE-4D02-BCC6-95E9694C9CA4}"/>
+              </a:ext>
+            </a:extLst>
+          </p:cNvPr>
+          <p:cNvSpPr txBox="1"/>
+          <p:nvPr/>
+        </p:nvSpPr>
+        <p:spPr>
+          <a:xfrm>
+            <a:off x="189092" y="4401340"/>
+            <a:ext cx="779381" cy="307777"/>
+          </a:xfrm>
+          <a:prstGeom prst="rect">
+            <a:avLst/>
+          </a:prstGeom>
+          <a:noFill/>
+        </p:spPr>
+        <p:txBody>
+          <a:bodyPr wrap="none" rtlCol="0">
+            <a:spAutoFit/>
+          </a:bodyPr>
+          <a:lstStyle/>
+          <a:p>
+            <a:r>
+              <a:rPr lang="en-US" sz="1400" b="1" dirty="0"/>
+              <a:t>LIGAZID</a:t>
+            </a:r>
+          </a:p>
+        </p:txBody>
+      </p:sp>
+      <p:sp>
+        <p:nvSpPr>
+          <p:cNvPr id="53" name="TextBox 52">
+            <a:extLst>
+              <a:ext uri="{FF2B5EF4-FFF2-40B4-BE49-F238E27FC236}">
+                <a16:creationId xmlns:a16="http://schemas.microsoft.com/office/drawing/2014/main" id="{7F3EEFA4-4E62-401E-988A-5CF1CE519644}"/>
+              </a:ext>
+            </a:extLst>
+          </p:cNvPr>
+          <p:cNvSpPr txBox="1"/>
+          <p:nvPr/>
+        </p:nvSpPr>
+        <p:spPr>
+          <a:xfrm>
+            <a:off x="1082152" y="4401340"/>
+            <a:ext cx="787395" cy="307777"/>
+          </a:xfrm>
+          <a:prstGeom prst="rect">
+            <a:avLst/>
+          </a:prstGeom>
+          <a:noFill/>
+        </p:spPr>
+        <p:txBody>
+          <a:bodyPr wrap="none" rtlCol="0">
+            <a:spAutoFit/>
+          </a:bodyPr>
+          <a:lstStyle/>
+          <a:p>
+            <a:r>
+              <a:rPr lang="en-US" sz="1400" b="1" dirty="0"/>
+              <a:t>EMAZID</a:t>
+            </a:r>
+          </a:p>
+        </p:txBody>
+      </p:sp>
+      <p:sp>
+        <p:nvSpPr>
+          <p:cNvPr id="54" name="TextBox 53">
+            <a:extLst>
+              <a:ext uri="{FF2B5EF4-FFF2-40B4-BE49-F238E27FC236}">
+                <a16:creationId xmlns:a16="http://schemas.microsoft.com/office/drawing/2014/main" id="{692F5683-116B-40B1-9D56-D1DD34D14914}"/>
+              </a:ext>
+            </a:extLst>
+          </p:cNvPr>
+          <p:cNvSpPr txBox="1"/>
+          <p:nvPr/>
+        </p:nvSpPr>
+        <p:spPr>
+          <a:xfrm>
+            <a:off x="2049196" y="4419284"/>
+            <a:ext cx="786049" cy="307777"/>
+          </a:xfrm>
+          <a:prstGeom prst="rect">
+            <a:avLst/>
+          </a:prstGeom>
+          <a:noFill/>
+        </p:spPr>
+        <p:txBody>
+          <a:bodyPr wrap="none" rtlCol="0">
+            <a:spAutoFit/>
+          </a:bodyPr>
+          <a:lstStyle/>
+          <a:p>
+            <a:r>
+              <a:rPr lang="en-US" sz="1400" b="1" dirty="0"/>
+              <a:t>LIPICON</a:t>
+            </a:r>
+          </a:p>
+        </p:txBody>
+      </p:sp>
+      <p:sp>
+        <p:nvSpPr>
+          <p:cNvPr id="55" name="TextBox 54">
+            <a:extLst>
+              <a:ext uri="{FF2B5EF4-FFF2-40B4-BE49-F238E27FC236}">
+                <a16:creationId xmlns:a16="http://schemas.microsoft.com/office/drawing/2014/main" id="{5A069555-F960-4642-90D1-5D7D77EF4F32}"/>
+              </a:ext>
+            </a:extLst>
+          </p:cNvPr>
+          <p:cNvSpPr txBox="1"/>
+          <p:nvPr/>
+        </p:nvSpPr>
+        <p:spPr>
+          <a:xfrm>
+            <a:off x="3069337" y="4409419"/>
+            <a:ext cx="624915" cy="307777"/>
+          </a:xfrm>
+          <a:prstGeom prst="rect">
+            <a:avLst/>
+          </a:prstGeom>
+          <a:noFill/>
+        </p:spPr>
+        <p:txBody>
+          <a:bodyPr wrap="none" rtlCol="0">
+            <a:spAutoFit/>
+          </a:bodyPr>
+          <a:lstStyle/>
+          <a:p>
+            <a:r>
+              <a:rPr lang="en-US" sz="1400" b="1" dirty="0"/>
+              <a:t>AGLIP</a:t>
+            </a:r>
+          </a:p>
+        </p:txBody>
+      </p:sp>
+      <p:sp>
+        <p:nvSpPr>
+          <p:cNvPr id="56" name="TextBox 55">
+            <a:extLst>
+              <a:ext uri="{FF2B5EF4-FFF2-40B4-BE49-F238E27FC236}">
+                <a16:creationId xmlns:a16="http://schemas.microsoft.com/office/drawing/2014/main" id="{F500E817-D7FF-48EB-98B5-FE25014104FF}"/>
+              </a:ext>
+            </a:extLst>
+          </p:cNvPr>
+          <p:cNvSpPr txBox="1"/>
+          <p:nvPr/>
+        </p:nvSpPr>
+        <p:spPr>
+          <a:xfrm>
+            <a:off x="3926669" y="4422434"/>
+            <a:ext cx="734496" cy="307777"/>
+          </a:xfrm>
+          <a:prstGeom prst="rect">
+            <a:avLst/>
+          </a:prstGeom>
+          <a:noFill/>
+        </p:spPr>
+        <p:txBody>
+          <a:bodyPr wrap="none" rtlCol="0">
+            <a:spAutoFit/>
+          </a:bodyPr>
+          <a:lstStyle/>
+          <a:p>
+            <a:r>
+              <a:rPr lang="en-US" sz="1400" b="1" dirty="0"/>
+              <a:t>CIFIBET</a:t>
+            </a:r>
+          </a:p>
+        </p:txBody>
+      </p:sp>
+      <p:sp>
+        <p:nvSpPr>
+          <p:cNvPr id="57" name="TextBox 56">
+            <a:extLst>
+              <a:ext uri="{FF2B5EF4-FFF2-40B4-BE49-F238E27FC236}">
+                <a16:creationId xmlns:a16="http://schemas.microsoft.com/office/drawing/2014/main" id="{0EAF05FE-D4B4-4E36-899D-373CBFAE4248}"/>
+              </a:ext>
+            </a:extLst>
+          </p:cNvPr>
+          <p:cNvSpPr txBox="1"/>
+          <p:nvPr/>
+        </p:nvSpPr>
+        <p:spPr>
+          <a:xfrm>
+            <a:off x="4819652" y="4407838"/>
+            <a:ext cx="838371" cy="307777"/>
+          </a:xfrm>
+          <a:prstGeom prst="rect">
+            <a:avLst/>
+          </a:prstGeom>
+          <a:noFill/>
+        </p:spPr>
+        <p:txBody>
+          <a:bodyPr wrap="none" rtlCol="0">
+            <a:spAutoFit/>
+          </a:bodyPr>
+          <a:lstStyle/>
+          <a:p>
+            <a:r>
+              <a:rPr lang="en-US" sz="1400" b="1" dirty="0"/>
+              <a:t>AMLEVO</a:t>
+            </a:r>
+          </a:p>
+        </p:txBody>
+      </p:sp>
+      <p:sp>
+        <p:nvSpPr>
+          <p:cNvPr id="58" name="TextBox 57">
+            <a:extLst>
+              <a:ext uri="{FF2B5EF4-FFF2-40B4-BE49-F238E27FC236}">
+                <a16:creationId xmlns:a16="http://schemas.microsoft.com/office/drawing/2014/main" id="{40B143DB-EC04-4318-A82F-44029B4C9D94}"/>
+              </a:ext>
+            </a:extLst>
+          </p:cNvPr>
+          <p:cNvSpPr txBox="1"/>
+          <p:nvPr/>
+        </p:nvSpPr>
+        <p:spPr>
+          <a:xfrm>
+            <a:off x="5726064" y="4411796"/>
+            <a:ext cx="953002" cy="307777"/>
+          </a:xfrm>
+          <a:prstGeom prst="rect">
+            <a:avLst/>
+          </a:prstGeom>
+          <a:noFill/>
+        </p:spPr>
+        <p:txBody>
+          <a:bodyPr wrap="square" rtlCol="0">
+            <a:spAutoFit/>
+          </a:bodyPr>
+          <a:lstStyle/>
+          <a:p>
+            <a:r>
+              <a:rPr lang="en-US" sz="1400" b="1" dirty="0"/>
+              <a:t>CARDOBIS</a:t>
+            </a:r>
+          </a:p>
+        </p:txBody>
+      </p:sp>
+      <p:sp>
+        <p:nvSpPr>
+          <p:cNvPr id="59" name="TextBox 58">
+            <a:extLst>
+              <a:ext uri="{FF2B5EF4-FFF2-40B4-BE49-F238E27FC236}">
+                <a16:creationId xmlns:a16="http://schemas.microsoft.com/office/drawing/2014/main" id="{33A6CDBA-44A5-4486-A476-124F30D1A0F0}"/>
+              </a:ext>
+            </a:extLst>
+          </p:cNvPr>
+          <p:cNvSpPr txBox="1"/>
+          <p:nvPr/>
+        </p:nvSpPr>
+        <p:spPr>
+          <a:xfrm>
+            <a:off x="6766606" y="4422433"/>
+            <a:ext cx="853311" cy="307777"/>
+          </a:xfrm>
+          <a:prstGeom prst="rect">
+            <a:avLst/>
+          </a:prstGeom>
+          <a:noFill/>
+        </p:spPr>
+        <p:txBody>
+          <a:bodyPr wrap="none" rtlCol="0">
+            <a:spAutoFit/>
+          </a:bodyPr>
+          <a:lstStyle/>
+          <a:p>
+            <a:r>
+              <a:rPr lang="en-US" sz="1400" b="1" dirty="0"/>
+              <a:t>RIVAROX</a:t>
+            </a:r>
+          </a:p>
+        </p:txBody>
+      </p:sp>
+      <p:sp>
+        <p:nvSpPr>
+          <p:cNvPr id="62" name="Rectangle: Rounded Corners 61">
+            <a:extLst>
+              <a:ext uri="{FF2B5EF4-FFF2-40B4-BE49-F238E27FC236}">
+                <a16:creationId xmlns:a16="http://schemas.microsoft.com/office/drawing/2014/main" id="{0AAE543B-7312-407E-B1C8-6A5F0256D8DF}"/>
+              </a:ext>
+            </a:extLst>
+          </p:cNvPr>
+          <p:cNvSpPr/>
+          <p:nvPr/>
+        </p:nvSpPr>
+        <p:spPr>
+          <a:xfrm>
+            <a:off x="8633111" y="4401733"/>
+            <a:ext cx="853043" cy="604504"/>
+          </a:xfrm>
+          <a:prstGeom prst="roundRect">
+            <a:avLst/>
+          </a:prstGeom>
+          <a:solidFill>
+            <a:srgbClr val="58D2EA"/>
+          </a:solidFill>
+        </p:spPr>
+        <p:style>
+          <a:lnRef idx="2">
+            <a:schemeClr val="accent4">
+              <a:shade val="50000"/>
+            </a:schemeClr>
+          </a:lnRef>
+          <a:fillRef idx="1">
+            <a:schemeClr val="accent4"/>
+          </a:fillRef>
+          <a:effectRef idx="0">
+            <a:schemeClr val="accent4"/>
+          </a:effectRef>
+          <a:fontRef idx="minor">
+            <a:schemeClr val="lt1"/>
+          </a:fontRef>
+        </p:style>
+        <p:txBody>
+          <a:bodyPr rtlCol="0" anchor="ctr"/>
+          <a:lstStyle/>
+          <a:p>
+            <a:pPr algn="ctr"/>
+            <a:endParaRPr lang="en-US" dirty="0"/>
+          </a:p>
+        </p:txBody>
+      </p:sp>
+      <p:sp>
+        <p:nvSpPr>
+          <p:cNvPr id="63" name="Rectangle: Rounded Corners 62">
+            <a:extLst>
+              <a:ext uri="{FF2B5EF4-FFF2-40B4-BE49-F238E27FC236}">
+                <a16:creationId xmlns:a16="http://schemas.microsoft.com/office/drawing/2014/main" id="{48B9CEB9-5C05-4AF5-B5B1-EA379E63CEE5}"/>
+              </a:ext>
+            </a:extLst>
+          </p:cNvPr>
+          <p:cNvSpPr/>
+          <p:nvPr/>
+        </p:nvSpPr>
+        <p:spPr>
+          <a:xfrm>
+            <a:off x="9594349" y="4388879"/>
+            <a:ext cx="853043" cy="604504"/>
+          </a:xfrm>
+          <a:prstGeom prst="roundRect">
+            <a:avLst/>
+          </a:prstGeom>
+          <a:solidFill>
+            <a:srgbClr val="58D2EA"/>
+          </a:solidFill>
+        </p:spPr>
+        <p:style>
+          <a:lnRef idx="2">
+            <a:schemeClr val="accent4">
+              <a:shade val="50000"/>
+            </a:schemeClr>
+          </a:lnRef>
+          <a:fillRef idx="1">
+            <a:schemeClr val="accent4"/>
+          </a:fillRef>
+          <a:effectRef idx="0">
+            <a:schemeClr val="accent4"/>
+          </a:effectRef>
+          <a:fontRef idx="minor">
+            <a:schemeClr val="lt1"/>
+          </a:fontRef>
+        </p:style>
+        <p:txBody>
+          <a:bodyPr rtlCol="0" anchor="ctr"/>
+          <a:lstStyle/>
+          <a:p>
+            <a:pPr algn="ctr"/>
+            <a:endParaRPr lang="en-US" dirty="0"/>
+          </a:p>
+        </p:txBody>
+      </p:sp>
+      <p:sp>
+        <p:nvSpPr>
+          <p:cNvPr id="64" name="Rectangle: Rounded Corners 63">
+            <a:extLst>
+              <a:ext uri="{FF2B5EF4-FFF2-40B4-BE49-F238E27FC236}">
+                <a16:creationId xmlns:a16="http://schemas.microsoft.com/office/drawing/2014/main" id="{D678CE82-BF06-4E64-8E0F-04F23D4978EC}"/>
+              </a:ext>
+            </a:extLst>
+          </p:cNvPr>
+          <p:cNvSpPr/>
+          <p:nvPr/>
+        </p:nvSpPr>
+        <p:spPr>
+          <a:xfrm>
+            <a:off x="10528564" y="4371430"/>
+            <a:ext cx="853043" cy="631914"/>
+          </a:xfrm>
+          <a:prstGeom prst="roundRect">
+            <a:avLst/>
+          </a:prstGeom>
+          <a:solidFill>
+            <a:srgbClr val="58D2EA"/>
+          </a:solidFill>
+        </p:spPr>
+        <p:style>
+          <a:lnRef idx="2">
+            <a:schemeClr val="accent4">
+              <a:shade val="50000"/>
+            </a:schemeClr>
+          </a:lnRef>
+          <a:fillRef idx="1">
+            <a:schemeClr val="accent4"/>
+          </a:fillRef>
+          <a:effectRef idx="0">
+            <a:schemeClr val="accent4"/>
+          </a:effectRef>
+          <a:fontRef idx="minor">
+            <a:schemeClr val="lt1"/>
+          </a:fontRef>
+        </p:style>
+        <p:txBody>
+          <a:bodyPr rtlCol="0" anchor="ctr"/>
+          <a:lstStyle/>
+          <a:p>
+            <a:pPr algn="ctr"/>
+            <a:endParaRPr lang="en-US" dirty="0"/>
+          </a:p>
+        </p:txBody>
+      </p:sp>
+      <p:sp>
+        <p:nvSpPr>
+          <p:cNvPr id="60" name="TextBox 59">
+            <a:extLst>
+              <a:ext uri="{FF2B5EF4-FFF2-40B4-BE49-F238E27FC236}">
+                <a16:creationId xmlns:a16="http://schemas.microsoft.com/office/drawing/2014/main" id="{D8BE296B-A5C2-4FB9-A227-75168B1ADB96}"/>
+              </a:ext>
+            </a:extLst>
+          </p:cNvPr>
+          <p:cNvSpPr txBox="1"/>
+          <p:nvPr/>
+        </p:nvSpPr>
+        <p:spPr>
+          <a:xfrm>
+            <a:off x="7676109" y="4415069"/>
+            <a:ext cx="827534" cy="307777"/>
+          </a:xfrm>
+          <a:prstGeom prst="rect">
+            <a:avLst/>
+          </a:prstGeom>
+          <a:noFill/>
+        </p:spPr>
+        <p:txBody>
+          <a:bodyPr wrap="none" rtlCol="0">
+            <a:spAutoFit/>
+          </a:bodyPr>
+          <a:lstStyle/>
+          <a:p>
+            <a:r>
+              <a:rPr lang="en-US" sz="1400" b="1" dirty="0"/>
+              <a:t>NOCLOG</a:t>
+            </a:r>
+          </a:p>
+        </p:txBody>
+      </p:sp>
+      <p:sp>
+        <p:nvSpPr>
+          <p:cNvPr id="65" name="TextBox 64">
+            <a:extLst>
+              <a:ext uri="{FF2B5EF4-FFF2-40B4-BE49-F238E27FC236}">
+                <a16:creationId xmlns:a16="http://schemas.microsoft.com/office/drawing/2014/main" id="{D4F33CAD-3FFB-4A86-89A9-4C07C4154EC7}"/>
+              </a:ext>
+            </a:extLst>
+          </p:cNvPr>
+          <p:cNvSpPr txBox="1"/>
+          <p:nvPr/>
+        </p:nvSpPr>
+        <p:spPr>
+          <a:xfrm>
+            <a:off x="8658070" y="4352577"/>
+            <a:ext cx="752982" cy="307777"/>
+          </a:xfrm>
+          <a:prstGeom prst="rect">
+            <a:avLst/>
+          </a:prstGeom>
+          <a:noFill/>
+        </p:spPr>
+        <p:txBody>
+          <a:bodyPr wrap="square" rtlCol="0">
+            <a:spAutoFit/>
+          </a:bodyPr>
+          <a:lstStyle/>
+          <a:p>
+            <a:endParaRPr lang="en-US" sz="1400" b="1" dirty="0"/>
+          </a:p>
+        </p:txBody>
+      </p:sp>
+      <p:sp>
+        <p:nvSpPr>
+          <p:cNvPr id="66" name="TextBox 65">
+            <a:extLst>
+              <a:ext uri="{FF2B5EF4-FFF2-40B4-BE49-F238E27FC236}">
+                <a16:creationId xmlns:a16="http://schemas.microsoft.com/office/drawing/2014/main" id="{BE2E8634-1E03-45C2-BA7C-4DABC04759F3}"/>
+              </a:ext>
+            </a:extLst>
+          </p:cNvPr>
+          <p:cNvSpPr txBox="1"/>
+          <p:nvPr/>
+        </p:nvSpPr>
+        <p:spPr>
+          <a:xfrm>
+            <a:off x="9566993" y="4393218"/>
+            <a:ext cx="849015" cy="307777"/>
+          </a:xfrm>
+          <a:prstGeom prst="rect">
+            <a:avLst/>
+          </a:prstGeom>
+          <a:noFill/>
+        </p:spPr>
+        <p:txBody>
+          <a:bodyPr wrap="none" rtlCol="0">
+            <a:spAutoFit/>
+          </a:bodyPr>
+          <a:lstStyle/>
+          <a:p>
+            <a:r>
+              <a:rPr lang="en-US" sz="1400" b="1" dirty="0"/>
+              <a:t>AROTIDE</a:t>
+            </a:r>
+          </a:p>
+        </p:txBody>
+      </p:sp>
+      <p:sp>
+        <p:nvSpPr>
+          <p:cNvPr id="67" name="TextBox 66">
+            <a:extLst>
+              <a:ext uri="{FF2B5EF4-FFF2-40B4-BE49-F238E27FC236}">
+                <a16:creationId xmlns:a16="http://schemas.microsoft.com/office/drawing/2014/main" id="{64C004D7-A9B3-4FCF-96A0-8463527EF8B3}"/>
+              </a:ext>
+            </a:extLst>
+          </p:cNvPr>
+          <p:cNvSpPr txBox="1"/>
+          <p:nvPr/>
+        </p:nvSpPr>
+        <p:spPr>
+          <a:xfrm>
+            <a:off x="10545621" y="4392822"/>
+            <a:ext cx="885435" cy="307777"/>
+          </a:xfrm>
+          <a:prstGeom prst="rect">
+            <a:avLst/>
+          </a:prstGeom>
+          <a:noFill/>
+        </p:spPr>
+        <p:txBody>
+          <a:bodyPr wrap="none" rtlCol="0">
+            <a:spAutoFit/>
+          </a:bodyPr>
+          <a:lstStyle/>
+          <a:p>
+            <a:r>
+              <a:rPr lang="en-US" sz="1400" b="1" dirty="0"/>
+              <a:t>FOBUNID</a:t>
+            </a:r>
+          </a:p>
+        </p:txBody>
+      </p:sp>
+      <p:sp>
+        <p:nvSpPr>
+          <p:cNvPr id="74" name="TextBox 73">
+            <a:extLst>
+              <a:ext uri="{FF2B5EF4-FFF2-40B4-BE49-F238E27FC236}">
+                <a16:creationId xmlns:a16="http://schemas.microsoft.com/office/drawing/2014/main" id="{F7AB4060-B180-4206-B0CA-F887DC18A548}"/>
+              </a:ext>
+            </a:extLst>
+          </p:cNvPr>
+          <p:cNvSpPr txBox="1"/>
+          <p:nvPr/>
+        </p:nvSpPr>
+        <p:spPr>
+          <a:xfrm>
+            <a:off x="8627360" y="4410731"/>
+            <a:ext cx="827655" cy="316451"/>
+          </a:xfrm>
+          <a:prstGeom prst="rect">
+            <a:avLst/>
+          </a:prstGeom>
+          <a:noFill/>
+        </p:spPr>
+        <p:txBody>
+          <a:bodyPr wrap="square">
+            <a:spAutoFit/>
+          </a:bodyPr>
+          <a:lstStyle/>
+          <a:p>
+            <a:r>
+              <a:rPr lang="en-US" sz="1400" b="1" dirty="0"/>
+              <a:t>BEMPID</a:t>
+            </a:r>
+          </a:p>
+        </p:txBody>
+      </p:sp>
+      <p:sp>
+        <p:nvSpPr>
+          <p:cNvPr id="76" name="Rectangle: Rounded Corners 75">
+            <a:extLst>
+              <a:ext uri="{FF2B5EF4-FFF2-40B4-BE49-F238E27FC236}">
+                <a16:creationId xmlns:a16="http://schemas.microsoft.com/office/drawing/2014/main" id="{094124D9-4E05-4B82-A4D2-F0A026A0577F}"/>
+              </a:ext>
+            </a:extLst>
+          </p:cNvPr>
+          <p:cNvSpPr/>
+          <p:nvPr/>
+        </p:nvSpPr>
+        <p:spPr>
+          <a:xfrm>
+            <a:off x="115430" y="3183310"/>
+            <a:ext cx="853043" cy="645305"/>
+          </a:xfrm>
+          <a:prstGeom prst="roundRect">
+            <a:avLst/>
+          </a:prstGeom>
+          <a:solidFill>
+            <a:srgbClr val="57EBE4"/>
+          </a:solidFill>
+        </p:spPr>
+        <p:style>
+          <a:lnRef idx="2">
+            <a:schemeClr val="accent4">
+              <a:shade val="50000"/>
+            </a:schemeClr>
+          </a:lnRef>
+          <a:fillRef idx="1">
+            <a:schemeClr val="accent4"/>
+          </a:fillRef>
+          <a:effectRef idx="0">
+            <a:schemeClr val="accent4"/>
+          </a:effectRef>
+          <a:fontRef idx="minor">
+            <a:schemeClr val="lt1"/>
+          </a:fontRef>
+        </p:style>
+        <p:txBody>
+          <a:bodyPr rtlCol="0" anchor="ctr"/>
+          <a:lstStyle/>
+          <a:p>
+            <a:pPr algn="ctr"/>
+            <a:endParaRPr lang="en-US" b="1" dirty="0">
+              <a:solidFill>
+                <a:schemeClr val="tx1"/>
+              </a:solidFill>
+            </a:endParaRPr>
+          </a:p>
+        </p:txBody>
+      </p:sp>
+      <p:sp>
+        <p:nvSpPr>
+          <p:cNvPr id="77" name="Rectangle: Rounded Corners 76">
+            <a:extLst>
+              <a:ext uri="{FF2B5EF4-FFF2-40B4-BE49-F238E27FC236}">
+                <a16:creationId xmlns:a16="http://schemas.microsoft.com/office/drawing/2014/main" id="{790F251F-A488-4436-846D-FE14CDC969BB}"/>
+              </a:ext>
+            </a:extLst>
+          </p:cNvPr>
+          <p:cNvSpPr/>
+          <p:nvPr/>
+        </p:nvSpPr>
+        <p:spPr>
+          <a:xfrm>
+            <a:off x="1038577" y="3182310"/>
+            <a:ext cx="853043" cy="656175"/>
+          </a:xfrm>
+          <a:prstGeom prst="roundRect">
+            <a:avLst/>
+          </a:prstGeom>
+          <a:solidFill>
+            <a:srgbClr val="57EBE4"/>
+          </a:solidFill>
+        </p:spPr>
+        <p:style>
+          <a:lnRef idx="2">
+            <a:schemeClr val="accent4">
+              <a:shade val="50000"/>
+            </a:schemeClr>
+          </a:lnRef>
+          <a:fillRef idx="1">
+            <a:schemeClr val="accent4"/>
+          </a:fillRef>
+          <a:effectRef idx="0">
+            <a:schemeClr val="accent4"/>
+          </a:effectRef>
+          <a:fontRef idx="minor">
+            <a:schemeClr val="lt1"/>
+          </a:fontRef>
+        </p:style>
+        <p:txBody>
+          <a:bodyPr rtlCol="0" anchor="ctr"/>
+          <a:lstStyle/>
+          <a:p>
+            <a:pPr algn="ctr"/>
+            <a:endParaRPr lang="en-US"/>
+          </a:p>
+        </p:txBody>
+      </p:sp>
+      <p:sp>
+        <p:nvSpPr>
+          <p:cNvPr id="78" name="Rectangle: Rounded Corners 77">
+            <a:extLst>
+              <a:ext uri="{FF2B5EF4-FFF2-40B4-BE49-F238E27FC236}">
+                <a16:creationId xmlns:a16="http://schemas.microsoft.com/office/drawing/2014/main" id="{66492CAA-46CC-43AD-A90F-127B3011D214}"/>
+              </a:ext>
+            </a:extLst>
+          </p:cNvPr>
+          <p:cNvSpPr/>
+          <p:nvPr/>
+        </p:nvSpPr>
+        <p:spPr>
+          <a:xfrm>
+            <a:off x="1995252" y="3181907"/>
+            <a:ext cx="853043" cy="645304"/>
+          </a:xfrm>
+          <a:prstGeom prst="roundRect">
+            <a:avLst/>
+          </a:prstGeom>
+          <a:solidFill>
+            <a:srgbClr val="57EBE4"/>
+          </a:solidFill>
+        </p:spPr>
+        <p:style>
+          <a:lnRef idx="2">
+            <a:schemeClr val="accent4">
+              <a:shade val="50000"/>
+            </a:schemeClr>
+          </a:lnRef>
+          <a:fillRef idx="1">
+            <a:schemeClr val="accent4"/>
+          </a:fillRef>
+          <a:effectRef idx="0">
+            <a:schemeClr val="accent4"/>
+          </a:effectRef>
+          <a:fontRef idx="minor">
+            <a:schemeClr val="lt1"/>
+          </a:fontRef>
+        </p:style>
+        <p:txBody>
+          <a:bodyPr rtlCol="0" anchor="ctr"/>
+          <a:lstStyle/>
+          <a:p>
+            <a:pPr algn="ctr"/>
+            <a:endParaRPr lang="en-US"/>
+          </a:p>
+        </p:txBody>
+      </p:sp>
+      <p:sp>
+        <p:nvSpPr>
+          <p:cNvPr id="79" name="Rectangle: Rounded Corners 78">
+            <a:extLst>
+              <a:ext uri="{FF2B5EF4-FFF2-40B4-BE49-F238E27FC236}">
+                <a16:creationId xmlns:a16="http://schemas.microsoft.com/office/drawing/2014/main" id="{7139971C-9359-482B-9828-277E3FBE125E}"/>
+              </a:ext>
+            </a:extLst>
+          </p:cNvPr>
+          <p:cNvSpPr/>
+          <p:nvPr/>
+        </p:nvSpPr>
+        <p:spPr>
+          <a:xfrm>
+            <a:off x="2931531" y="3175191"/>
+            <a:ext cx="853043" cy="652020"/>
+          </a:xfrm>
+          <a:prstGeom prst="roundRect">
+            <a:avLst/>
+          </a:prstGeom>
+          <a:solidFill>
+            <a:srgbClr val="57EBE4"/>
+          </a:solidFill>
+        </p:spPr>
+        <p:style>
+          <a:lnRef idx="2">
+            <a:schemeClr val="accent4">
+              <a:shade val="50000"/>
+            </a:schemeClr>
+          </a:lnRef>
+          <a:fillRef idx="1">
+            <a:schemeClr val="accent4"/>
+          </a:fillRef>
+          <a:effectRef idx="0">
+            <a:schemeClr val="accent4"/>
+          </a:effectRef>
+          <a:fontRef idx="minor">
+            <a:schemeClr val="lt1"/>
+          </a:fontRef>
+        </p:style>
+        <p:txBody>
+          <a:bodyPr rtlCol="0" anchor="ctr"/>
+          <a:lstStyle/>
+          <a:p>
+            <a:pPr algn="ctr"/>
+            <a:endParaRPr lang="en-US"/>
+          </a:p>
+        </p:txBody>
+      </p:sp>
+      <p:sp>
+        <p:nvSpPr>
+          <p:cNvPr id="80" name="Rectangle: Rounded Corners 79">
+            <a:extLst>
+              <a:ext uri="{FF2B5EF4-FFF2-40B4-BE49-F238E27FC236}">
+                <a16:creationId xmlns:a16="http://schemas.microsoft.com/office/drawing/2014/main" id="{987613B9-24E9-41CE-9DCD-810A41F39E50}"/>
+              </a:ext>
+            </a:extLst>
+          </p:cNvPr>
+          <p:cNvSpPr/>
+          <p:nvPr/>
+        </p:nvSpPr>
+        <p:spPr>
+          <a:xfrm>
+            <a:off x="3870685" y="3194762"/>
+            <a:ext cx="853043" cy="652019"/>
+          </a:xfrm>
+          <a:prstGeom prst="roundRect">
+            <a:avLst/>
+          </a:prstGeom>
+          <a:solidFill>
+            <a:srgbClr val="57EBE4"/>
+          </a:solidFill>
+        </p:spPr>
+        <p:style>
+          <a:lnRef idx="2">
+            <a:schemeClr val="accent4">
+              <a:shade val="50000"/>
+            </a:schemeClr>
+          </a:lnRef>
+          <a:fillRef idx="1">
+            <a:schemeClr val="accent4"/>
+          </a:fillRef>
+          <a:effectRef idx="0">
+            <a:schemeClr val="accent4"/>
+          </a:effectRef>
+          <a:fontRef idx="minor">
+            <a:schemeClr val="lt1"/>
+          </a:fontRef>
+        </p:style>
+        <p:txBody>
+          <a:bodyPr rtlCol="0" anchor="ctr"/>
+          <a:lstStyle/>
+          <a:p>
+            <a:pPr algn="ctr"/>
+            <a:endParaRPr lang="en-US"/>
+          </a:p>
+        </p:txBody>
+      </p:sp>
+      <p:sp>
+        <p:nvSpPr>
+          <p:cNvPr id="81" name="Rectangle: Rounded Corners 80">
+            <a:extLst>
+              <a:ext uri="{FF2B5EF4-FFF2-40B4-BE49-F238E27FC236}">
+                <a16:creationId xmlns:a16="http://schemas.microsoft.com/office/drawing/2014/main" id="{52E3A2A4-77F6-455E-949F-AC4812644ED2}"/>
+              </a:ext>
+            </a:extLst>
+          </p:cNvPr>
+          <p:cNvSpPr/>
+          <p:nvPr/>
+        </p:nvSpPr>
+        <p:spPr>
+          <a:xfrm>
+            <a:off x="4813779" y="3182002"/>
+            <a:ext cx="853043" cy="652019"/>
+          </a:xfrm>
+          <a:prstGeom prst="roundRect">
+            <a:avLst/>
+          </a:prstGeom>
+          <a:solidFill>
+            <a:srgbClr val="57EBE4"/>
+          </a:solidFill>
+        </p:spPr>
+        <p:style>
+          <a:lnRef idx="2">
+            <a:schemeClr val="accent4">
+              <a:shade val="50000"/>
+            </a:schemeClr>
+          </a:lnRef>
+          <a:fillRef idx="1">
+            <a:schemeClr val="accent4"/>
+          </a:fillRef>
+          <a:effectRef idx="0">
+            <a:schemeClr val="accent4"/>
+          </a:effectRef>
+          <a:fontRef idx="minor">
+            <a:schemeClr val="lt1"/>
+          </a:fontRef>
+        </p:style>
+        <p:txBody>
+          <a:bodyPr rtlCol="0" anchor="ctr"/>
+          <a:lstStyle/>
+          <a:p>
+            <a:pPr algn="ctr"/>
+            <a:endParaRPr lang="en-US"/>
+          </a:p>
+        </p:txBody>
+      </p:sp>
+      <p:sp>
+        <p:nvSpPr>
+          <p:cNvPr id="82" name="Rectangle: Rounded Corners 81">
+            <a:extLst>
+              <a:ext uri="{FF2B5EF4-FFF2-40B4-BE49-F238E27FC236}">
+                <a16:creationId xmlns:a16="http://schemas.microsoft.com/office/drawing/2014/main" id="{25DCF8F7-CCB2-4C29-8107-727F41098477}"/>
+              </a:ext>
+            </a:extLst>
+          </p:cNvPr>
+          <p:cNvSpPr/>
+          <p:nvPr/>
+        </p:nvSpPr>
+        <p:spPr>
+          <a:xfrm>
+            <a:off x="5751802" y="3194032"/>
+            <a:ext cx="853043" cy="639258"/>
+          </a:xfrm>
+          <a:prstGeom prst="roundRect">
+            <a:avLst/>
+          </a:prstGeom>
+          <a:solidFill>
+            <a:srgbClr val="57EBE4"/>
+          </a:solidFill>
+        </p:spPr>
+        <p:style>
+          <a:lnRef idx="2">
+            <a:schemeClr val="accent4">
+              <a:shade val="50000"/>
+            </a:schemeClr>
+          </a:lnRef>
+          <a:fillRef idx="1">
+            <a:schemeClr val="accent4"/>
+          </a:fillRef>
+          <a:effectRef idx="0">
+            <a:schemeClr val="accent4"/>
+          </a:effectRef>
+          <a:fontRef idx="minor">
+            <a:schemeClr val="lt1"/>
+          </a:fontRef>
+        </p:style>
+        <p:txBody>
+          <a:bodyPr rtlCol="0" anchor="ctr"/>
+          <a:lstStyle/>
+          <a:p>
+            <a:pPr algn="ctr"/>
+            <a:endParaRPr lang="en-US"/>
+          </a:p>
+        </p:txBody>
+      </p:sp>
+      <p:sp>
+        <p:nvSpPr>
+          <p:cNvPr id="83" name="Rectangle: Rounded Corners 82">
+            <a:extLst>
+              <a:ext uri="{FF2B5EF4-FFF2-40B4-BE49-F238E27FC236}">
+                <a16:creationId xmlns:a16="http://schemas.microsoft.com/office/drawing/2014/main" id="{52A4033F-8830-4282-AC6C-47824523DFEE}"/>
+              </a:ext>
+            </a:extLst>
+          </p:cNvPr>
+          <p:cNvSpPr/>
+          <p:nvPr/>
+        </p:nvSpPr>
+        <p:spPr>
+          <a:xfrm>
+            <a:off x="6741402" y="3191001"/>
+            <a:ext cx="853043" cy="639258"/>
+          </a:xfrm>
+          <a:prstGeom prst="roundRect">
+            <a:avLst/>
+          </a:prstGeom>
+          <a:solidFill>
+            <a:srgbClr val="57EBE4"/>
+          </a:solidFill>
+        </p:spPr>
+        <p:style>
+          <a:lnRef idx="2">
+            <a:schemeClr val="accent4">
+              <a:shade val="50000"/>
+            </a:schemeClr>
+          </a:lnRef>
+          <a:fillRef idx="1">
+            <a:schemeClr val="accent4"/>
+          </a:fillRef>
+          <a:effectRef idx="0">
+            <a:schemeClr val="accent4"/>
+          </a:effectRef>
+          <a:fontRef idx="minor">
+            <a:schemeClr val="lt1"/>
+          </a:fontRef>
+        </p:style>
+        <p:txBody>
+          <a:bodyPr rtlCol="0" anchor="ctr"/>
+          <a:lstStyle/>
+          <a:p>
+            <a:pPr algn="ctr"/>
+            <a:endParaRPr lang="en-US" dirty="0"/>
+          </a:p>
+        </p:txBody>
+      </p:sp>
+      <p:sp>
+        <p:nvSpPr>
+          <p:cNvPr id="84" name="Rectangle: Rounded Corners 83">
+            <a:extLst>
+              <a:ext uri="{FF2B5EF4-FFF2-40B4-BE49-F238E27FC236}">
+                <a16:creationId xmlns:a16="http://schemas.microsoft.com/office/drawing/2014/main" id="{02BDE178-2E9F-48D2-B170-DD476720929C}"/>
+              </a:ext>
+            </a:extLst>
+          </p:cNvPr>
+          <p:cNvSpPr/>
+          <p:nvPr/>
+        </p:nvSpPr>
+        <p:spPr>
+          <a:xfrm>
+            <a:off x="7655228" y="3181856"/>
+            <a:ext cx="853043" cy="649105"/>
+          </a:xfrm>
+          <a:prstGeom prst="roundRect">
+            <a:avLst/>
+          </a:prstGeom>
+          <a:solidFill>
+            <a:srgbClr val="57EBE4"/>
+          </a:solidFill>
+        </p:spPr>
+        <p:style>
+          <a:lnRef idx="2">
+            <a:schemeClr val="accent4">
+              <a:shade val="50000"/>
+            </a:schemeClr>
+          </a:lnRef>
+          <a:fillRef idx="1">
+            <a:schemeClr val="accent4"/>
+          </a:fillRef>
+          <a:effectRef idx="0">
+            <a:schemeClr val="accent4"/>
+          </a:effectRef>
+          <a:fontRef idx="minor">
+            <a:schemeClr val="lt1"/>
+          </a:fontRef>
+        </p:style>
+        <p:txBody>
+          <a:bodyPr rtlCol="0" anchor="ctr"/>
+          <a:lstStyle/>
+          <a:p>
+            <a:pPr algn="ctr"/>
+            <a:endParaRPr lang="en-US" dirty="0"/>
+          </a:p>
+        </p:txBody>
+      </p:sp>
+      <p:sp>
+        <p:nvSpPr>
+          <p:cNvPr id="85" name="Rectangle: Rounded Corners 84">
+            <a:extLst>
+              <a:ext uri="{FF2B5EF4-FFF2-40B4-BE49-F238E27FC236}">
+                <a16:creationId xmlns:a16="http://schemas.microsoft.com/office/drawing/2014/main" id="{993EB53A-CAA9-4CE9-A9E6-C4D7D4BBEB96}"/>
+              </a:ext>
+            </a:extLst>
+          </p:cNvPr>
+          <p:cNvSpPr/>
+          <p:nvPr/>
+        </p:nvSpPr>
+        <p:spPr>
+          <a:xfrm>
+            <a:off x="8617477" y="3184896"/>
+            <a:ext cx="853043" cy="639258"/>
+          </a:xfrm>
+          <a:prstGeom prst="roundRect">
+            <a:avLst/>
+          </a:prstGeom>
+          <a:solidFill>
+            <a:srgbClr val="57EBE4"/>
+          </a:solidFill>
+        </p:spPr>
+        <p:style>
+          <a:lnRef idx="2">
+            <a:schemeClr val="accent4">
+              <a:shade val="50000"/>
+            </a:schemeClr>
+          </a:lnRef>
+          <a:fillRef idx="1">
+            <a:schemeClr val="accent4"/>
+          </a:fillRef>
+          <a:effectRef idx="0">
+            <a:schemeClr val="accent4"/>
+          </a:effectRef>
+          <a:fontRef idx="minor">
+            <a:schemeClr val="lt1"/>
+          </a:fontRef>
+        </p:style>
+        <p:txBody>
+          <a:bodyPr rtlCol="0" anchor="ctr"/>
+          <a:lstStyle/>
+          <a:p>
+            <a:pPr algn="ctr"/>
+            <a:endParaRPr lang="en-US" dirty="0"/>
+          </a:p>
+        </p:txBody>
+      </p:sp>
+      <p:sp>
+        <p:nvSpPr>
+          <p:cNvPr id="86" name="Rectangle: Rounded Corners 85">
+            <a:extLst>
+              <a:ext uri="{FF2B5EF4-FFF2-40B4-BE49-F238E27FC236}">
+                <a16:creationId xmlns:a16="http://schemas.microsoft.com/office/drawing/2014/main" id="{C8E7AE14-6F90-4D39-955E-1E120DA6E3DF}"/>
+              </a:ext>
+            </a:extLst>
+          </p:cNvPr>
+          <p:cNvSpPr/>
+          <p:nvPr/>
+        </p:nvSpPr>
+        <p:spPr>
+          <a:xfrm>
+            <a:off x="9541468" y="3170857"/>
+            <a:ext cx="853043" cy="639258"/>
+          </a:xfrm>
+          <a:prstGeom prst="roundRect">
+            <a:avLst/>
+          </a:prstGeom>
+          <a:solidFill>
+            <a:srgbClr val="57EBE4"/>
+          </a:solidFill>
+        </p:spPr>
+        <p:style>
+          <a:lnRef idx="2">
+            <a:schemeClr val="accent4">
+              <a:shade val="50000"/>
+            </a:schemeClr>
+          </a:lnRef>
+          <a:fillRef idx="1">
+            <a:schemeClr val="accent4"/>
+          </a:fillRef>
+          <a:effectRef idx="0">
+            <a:schemeClr val="accent4"/>
+          </a:effectRef>
+          <a:fontRef idx="minor">
+            <a:schemeClr val="lt1"/>
+          </a:fontRef>
+        </p:style>
+        <p:txBody>
+          <a:bodyPr rtlCol="0" anchor="ctr"/>
+          <a:lstStyle/>
+          <a:p>
+            <a:pPr algn="ctr"/>
+            <a:endParaRPr lang="en-US" dirty="0"/>
+          </a:p>
+        </p:txBody>
+      </p:sp>
+      <p:sp>
+        <p:nvSpPr>
+          <p:cNvPr id="87" name="Rectangle: Rounded Corners 86">
+            <a:extLst>
+              <a:ext uri="{FF2B5EF4-FFF2-40B4-BE49-F238E27FC236}">
+                <a16:creationId xmlns:a16="http://schemas.microsoft.com/office/drawing/2014/main" id="{633404EB-334B-4424-BD35-184817477A31}"/>
+              </a:ext>
+            </a:extLst>
+          </p:cNvPr>
+          <p:cNvSpPr/>
+          <p:nvPr/>
+        </p:nvSpPr>
+        <p:spPr>
+          <a:xfrm>
+            <a:off x="10527179" y="3152822"/>
+            <a:ext cx="853043" cy="668244"/>
+          </a:xfrm>
+          <a:prstGeom prst="roundRect">
+            <a:avLst/>
+          </a:prstGeom>
+          <a:solidFill>
+            <a:srgbClr val="57EBE4"/>
+          </a:solidFill>
+        </p:spPr>
+        <p:style>
+          <a:lnRef idx="2">
+            <a:schemeClr val="accent4">
+              <a:shade val="50000"/>
+            </a:schemeClr>
+          </a:lnRef>
+          <a:fillRef idx="1">
+            <a:schemeClr val="accent4"/>
+          </a:fillRef>
+          <a:effectRef idx="0">
+            <a:schemeClr val="accent4"/>
+          </a:effectRef>
+          <a:fontRef idx="minor">
+            <a:schemeClr val="lt1"/>
+          </a:fontRef>
+        </p:style>
+        <p:txBody>
+          <a:bodyPr rtlCol="0" anchor="ctr"/>
+          <a:lstStyle/>
+          <a:p>
+            <a:pPr algn="ctr"/>
+            <a:endParaRPr lang="en-US" dirty="0"/>
+          </a:p>
+        </p:txBody>
+      </p:sp>
+      <p:sp>
+        <p:nvSpPr>
+          <p:cNvPr id="88" name="Rectangle: Rounded Corners 87">
+            <a:extLst>
+              <a:ext uri="{FF2B5EF4-FFF2-40B4-BE49-F238E27FC236}">
+                <a16:creationId xmlns:a16="http://schemas.microsoft.com/office/drawing/2014/main" id="{D07BB761-A51A-4DE2-9EA0-CC60C83C53D1}"/>
+              </a:ext>
+            </a:extLst>
+          </p:cNvPr>
+          <p:cNvSpPr/>
+          <p:nvPr/>
+        </p:nvSpPr>
+        <p:spPr>
+          <a:xfrm>
+            <a:off x="131064" y="2007875"/>
+            <a:ext cx="853043" cy="603197"/>
+          </a:xfrm>
+          <a:prstGeom prst="roundRect">
+            <a:avLst/>
+          </a:prstGeom>
+          <a:solidFill>
+            <a:srgbClr val="F3C43F"/>
+          </a:solidFill>
+        </p:spPr>
+        <p:style>
+          <a:lnRef idx="2">
+            <a:schemeClr val="accent4">
+              <a:shade val="50000"/>
+            </a:schemeClr>
+          </a:lnRef>
+          <a:fillRef idx="1">
+            <a:schemeClr val="accent4"/>
+          </a:fillRef>
+          <a:effectRef idx="0">
+            <a:schemeClr val="accent4"/>
+          </a:effectRef>
+          <a:fontRef idx="minor">
+            <a:schemeClr val="lt1"/>
+          </a:fontRef>
+        </p:style>
+        <p:txBody>
+          <a:bodyPr rtlCol="0" anchor="ctr"/>
+          <a:lstStyle/>
+          <a:p>
+            <a:pPr algn="ctr"/>
+            <a:endParaRPr lang="en-US" b="1" dirty="0">
+              <a:solidFill>
+                <a:schemeClr val="tx1"/>
+              </a:solidFill>
+            </a:endParaRPr>
+          </a:p>
+        </p:txBody>
+      </p:sp>
+      <p:sp>
+        <p:nvSpPr>
+          <p:cNvPr id="89" name="Rectangle: Rounded Corners 88">
+            <a:extLst>
+              <a:ext uri="{FF2B5EF4-FFF2-40B4-BE49-F238E27FC236}">
+                <a16:creationId xmlns:a16="http://schemas.microsoft.com/office/drawing/2014/main" id="{DFB2E254-96FA-42D7-A015-664E2D8E62AD}"/>
+              </a:ext>
+            </a:extLst>
+          </p:cNvPr>
+          <p:cNvSpPr/>
+          <p:nvPr/>
+        </p:nvSpPr>
+        <p:spPr>
+          <a:xfrm>
+            <a:off x="1063509" y="2011680"/>
+            <a:ext cx="853043" cy="624480"/>
+          </a:xfrm>
+          <a:prstGeom prst="roundRect">
+            <a:avLst/>
+          </a:prstGeom>
+          <a:solidFill>
+            <a:srgbClr val="F3C43F"/>
+          </a:solidFill>
+        </p:spPr>
+        <p:style>
+          <a:lnRef idx="2">
+            <a:schemeClr val="accent4">
+              <a:shade val="50000"/>
+            </a:schemeClr>
+          </a:lnRef>
+          <a:fillRef idx="1">
+            <a:schemeClr val="accent4"/>
+          </a:fillRef>
+          <a:effectRef idx="0">
+            <a:schemeClr val="accent4"/>
+          </a:effectRef>
+          <a:fontRef idx="minor">
+            <a:schemeClr val="lt1"/>
+          </a:fontRef>
+        </p:style>
+        <p:txBody>
+          <a:bodyPr rtlCol="0" anchor="ctr"/>
+          <a:lstStyle/>
+          <a:p>
+            <a:pPr algn="ctr"/>
+            <a:endParaRPr lang="en-US"/>
+          </a:p>
+        </p:txBody>
+      </p:sp>
+      <p:sp>
+        <p:nvSpPr>
+          <p:cNvPr id="90" name="Rectangle: Rounded Corners 89">
+            <a:extLst>
+              <a:ext uri="{FF2B5EF4-FFF2-40B4-BE49-F238E27FC236}">
+                <a16:creationId xmlns:a16="http://schemas.microsoft.com/office/drawing/2014/main" id="{40925AEB-FC38-4287-8604-1C624F17ACBA}"/>
+              </a:ext>
+            </a:extLst>
+          </p:cNvPr>
+          <p:cNvSpPr/>
+          <p:nvPr/>
+        </p:nvSpPr>
+        <p:spPr>
+          <a:xfrm>
+            <a:off x="2003009" y="2006915"/>
+            <a:ext cx="853043" cy="624076"/>
+          </a:xfrm>
+          <a:prstGeom prst="roundRect">
+            <a:avLst/>
+          </a:prstGeom>
+          <a:solidFill>
+            <a:srgbClr val="F3C43F"/>
+          </a:solidFill>
+        </p:spPr>
+        <p:style>
+          <a:lnRef idx="2">
+            <a:schemeClr val="accent4">
+              <a:shade val="50000"/>
+            </a:schemeClr>
+          </a:lnRef>
+          <a:fillRef idx="1">
+            <a:schemeClr val="accent4"/>
+          </a:fillRef>
+          <a:effectRef idx="0">
+            <a:schemeClr val="accent4"/>
+          </a:effectRef>
+          <a:fontRef idx="minor">
+            <a:schemeClr val="lt1"/>
+          </a:fontRef>
+        </p:style>
+        <p:txBody>
+          <a:bodyPr rtlCol="0" anchor="ctr"/>
+          <a:lstStyle/>
+          <a:p>
+            <a:pPr algn="ctr"/>
+            <a:endParaRPr lang="en-US"/>
+          </a:p>
+        </p:txBody>
+      </p:sp>
+      <p:sp>
+        <p:nvSpPr>
+          <p:cNvPr id="91" name="Rectangle: Rounded Corners 90">
+            <a:extLst>
+              <a:ext uri="{FF2B5EF4-FFF2-40B4-BE49-F238E27FC236}">
+                <a16:creationId xmlns:a16="http://schemas.microsoft.com/office/drawing/2014/main" id="{D5179DEE-94FF-4FD5-B53D-53A4BC4A1F6A}"/>
+              </a:ext>
+            </a:extLst>
+          </p:cNvPr>
+          <p:cNvSpPr/>
+          <p:nvPr/>
+        </p:nvSpPr>
+        <p:spPr>
+          <a:xfrm>
+            <a:off x="2928370" y="2000105"/>
+            <a:ext cx="853043" cy="624076"/>
+          </a:xfrm>
+          <a:prstGeom prst="roundRect">
+            <a:avLst/>
+          </a:prstGeom>
+          <a:solidFill>
+            <a:srgbClr val="F3C43F"/>
+          </a:solidFill>
+        </p:spPr>
+        <p:style>
+          <a:lnRef idx="2">
+            <a:schemeClr val="accent4">
+              <a:shade val="50000"/>
+            </a:schemeClr>
+          </a:lnRef>
+          <a:fillRef idx="1">
+            <a:schemeClr val="accent4"/>
+          </a:fillRef>
+          <a:effectRef idx="0">
+            <a:schemeClr val="accent4"/>
+          </a:effectRef>
+          <a:fontRef idx="minor">
+            <a:schemeClr val="lt1"/>
+          </a:fontRef>
+        </p:style>
+        <p:txBody>
+          <a:bodyPr rtlCol="0" anchor="ctr"/>
+          <a:lstStyle/>
+          <a:p>
+            <a:pPr algn="ctr"/>
+            <a:endParaRPr lang="en-US"/>
+          </a:p>
+        </p:txBody>
+      </p:sp>
+      <p:sp>
+        <p:nvSpPr>
+          <p:cNvPr id="92" name="Rectangle: Rounded Corners 91">
+            <a:extLst>
+              <a:ext uri="{FF2B5EF4-FFF2-40B4-BE49-F238E27FC236}">
+                <a16:creationId xmlns:a16="http://schemas.microsoft.com/office/drawing/2014/main" id="{4095386A-1204-44B0-B36D-46AFC660271E}"/>
+              </a:ext>
+            </a:extLst>
+          </p:cNvPr>
+          <p:cNvSpPr/>
+          <p:nvPr/>
+        </p:nvSpPr>
+        <p:spPr>
+          <a:xfrm>
+            <a:off x="3881612" y="2012556"/>
+            <a:ext cx="853043" cy="620126"/>
+          </a:xfrm>
+          <a:prstGeom prst="roundRect">
+            <a:avLst/>
+          </a:prstGeom>
+          <a:solidFill>
+            <a:srgbClr val="F3C43F"/>
+          </a:solidFill>
+        </p:spPr>
+        <p:style>
+          <a:lnRef idx="2">
+            <a:schemeClr val="accent4">
+              <a:shade val="50000"/>
+            </a:schemeClr>
+          </a:lnRef>
+          <a:fillRef idx="1">
+            <a:schemeClr val="accent4"/>
+          </a:fillRef>
+          <a:effectRef idx="0">
+            <a:schemeClr val="accent4"/>
+          </a:effectRef>
+          <a:fontRef idx="minor">
+            <a:schemeClr val="lt1"/>
+          </a:fontRef>
+        </p:style>
+        <p:txBody>
+          <a:bodyPr rtlCol="0" anchor="ctr"/>
+          <a:lstStyle/>
+          <a:p>
+            <a:pPr algn="ctr"/>
+            <a:endParaRPr lang="en-US"/>
+          </a:p>
+        </p:txBody>
+      </p:sp>
+      <p:sp>
+        <p:nvSpPr>
+          <p:cNvPr id="93" name="Rectangle: Rounded Corners 92">
+            <a:extLst>
+              <a:ext uri="{FF2B5EF4-FFF2-40B4-BE49-F238E27FC236}">
+                <a16:creationId xmlns:a16="http://schemas.microsoft.com/office/drawing/2014/main" id="{75D8BCAF-DBFA-4921-86A8-05595591D900}"/>
+              </a:ext>
+            </a:extLst>
+          </p:cNvPr>
+          <p:cNvSpPr/>
+          <p:nvPr/>
+        </p:nvSpPr>
+        <p:spPr>
+          <a:xfrm>
+            <a:off x="4829413" y="2018320"/>
+            <a:ext cx="853043" cy="642982"/>
+          </a:xfrm>
+          <a:prstGeom prst="roundRect">
+            <a:avLst/>
+          </a:prstGeom>
+          <a:solidFill>
+            <a:srgbClr val="F3C43F"/>
+          </a:solidFill>
+        </p:spPr>
+        <p:style>
+          <a:lnRef idx="2">
+            <a:schemeClr val="accent4">
+              <a:shade val="50000"/>
+            </a:schemeClr>
+          </a:lnRef>
+          <a:fillRef idx="1">
+            <a:schemeClr val="accent4"/>
+          </a:fillRef>
+          <a:effectRef idx="0">
+            <a:schemeClr val="accent4"/>
+          </a:effectRef>
+          <a:fontRef idx="minor">
+            <a:schemeClr val="lt1"/>
+          </a:fontRef>
+        </p:style>
+        <p:txBody>
+          <a:bodyPr rtlCol="0" anchor="ctr"/>
+          <a:lstStyle/>
+          <a:p>
+            <a:pPr algn="ctr"/>
+            <a:endParaRPr lang="en-US"/>
+          </a:p>
+        </p:txBody>
+      </p:sp>
+      <p:sp>
+        <p:nvSpPr>
+          <p:cNvPr id="94" name="Rectangle: Rounded Corners 93">
+            <a:extLst>
+              <a:ext uri="{FF2B5EF4-FFF2-40B4-BE49-F238E27FC236}">
+                <a16:creationId xmlns:a16="http://schemas.microsoft.com/office/drawing/2014/main" id="{A95F7676-C47B-41AE-B6D5-B6CC4269A1F4}"/>
+              </a:ext>
+            </a:extLst>
+          </p:cNvPr>
+          <p:cNvSpPr/>
+          <p:nvPr/>
+        </p:nvSpPr>
+        <p:spPr>
+          <a:xfrm>
+            <a:off x="5767146" y="2010463"/>
+            <a:ext cx="853043" cy="622782"/>
+          </a:xfrm>
+          <a:prstGeom prst="roundRect">
+            <a:avLst/>
+          </a:prstGeom>
+          <a:solidFill>
+            <a:srgbClr val="F3C43F"/>
+          </a:solidFill>
+        </p:spPr>
+        <p:style>
+          <a:lnRef idx="2">
+            <a:schemeClr val="accent4">
+              <a:shade val="50000"/>
+            </a:schemeClr>
+          </a:lnRef>
+          <a:fillRef idx="1">
+            <a:schemeClr val="accent4"/>
+          </a:fillRef>
+          <a:effectRef idx="0">
+            <a:schemeClr val="accent4"/>
+          </a:effectRef>
+          <a:fontRef idx="minor">
+            <a:schemeClr val="lt1"/>
+          </a:fontRef>
+        </p:style>
+        <p:txBody>
+          <a:bodyPr rtlCol="0" anchor="ctr"/>
+          <a:lstStyle/>
+          <a:p>
+            <a:pPr algn="ctr"/>
+            <a:endParaRPr lang="en-US"/>
+          </a:p>
+        </p:txBody>
+      </p:sp>
+      <p:sp>
+        <p:nvSpPr>
+          <p:cNvPr id="95" name="Rectangle: Rounded Corners 94">
+            <a:extLst>
+              <a:ext uri="{FF2B5EF4-FFF2-40B4-BE49-F238E27FC236}">
+                <a16:creationId xmlns:a16="http://schemas.microsoft.com/office/drawing/2014/main" id="{E4D665B6-F216-4B50-B6F3-17F5A4E0C9DC}"/>
+              </a:ext>
+            </a:extLst>
+          </p:cNvPr>
+          <p:cNvSpPr/>
+          <p:nvPr/>
+        </p:nvSpPr>
+        <p:spPr>
+          <a:xfrm>
+            <a:off x="6721142" y="2025154"/>
+            <a:ext cx="853043" cy="604504"/>
+          </a:xfrm>
+          <a:prstGeom prst="roundRect">
+            <a:avLst/>
+          </a:prstGeom>
+          <a:solidFill>
+            <a:srgbClr val="F3C43F"/>
+          </a:solidFill>
+        </p:spPr>
+        <p:style>
+          <a:lnRef idx="2">
+            <a:schemeClr val="accent4">
+              <a:shade val="50000"/>
+            </a:schemeClr>
+          </a:lnRef>
+          <a:fillRef idx="1">
+            <a:schemeClr val="accent4"/>
+          </a:fillRef>
+          <a:effectRef idx="0">
+            <a:schemeClr val="accent4"/>
+          </a:effectRef>
+          <a:fontRef idx="minor">
+            <a:schemeClr val="lt1"/>
+          </a:fontRef>
+        </p:style>
+        <p:txBody>
+          <a:bodyPr rtlCol="0" anchor="ctr"/>
+          <a:lstStyle/>
+          <a:p>
+            <a:pPr algn="ctr"/>
+            <a:endParaRPr lang="en-US" dirty="0"/>
+          </a:p>
+        </p:txBody>
+      </p:sp>
+      <p:sp>
+        <p:nvSpPr>
+          <p:cNvPr id="96" name="Rectangle: Rounded Corners 95">
+            <a:extLst>
+              <a:ext uri="{FF2B5EF4-FFF2-40B4-BE49-F238E27FC236}">
+                <a16:creationId xmlns:a16="http://schemas.microsoft.com/office/drawing/2014/main" id="{97E95E5B-F9BD-4DC1-8793-3B30D09048EB}"/>
+              </a:ext>
+            </a:extLst>
+          </p:cNvPr>
+          <p:cNvSpPr/>
+          <p:nvPr/>
+        </p:nvSpPr>
+        <p:spPr>
+          <a:xfrm>
+            <a:off x="7646688" y="2032171"/>
+            <a:ext cx="853043" cy="613816"/>
+          </a:xfrm>
+          <a:prstGeom prst="roundRect">
+            <a:avLst/>
+          </a:prstGeom>
+          <a:solidFill>
+            <a:srgbClr val="F3C43F"/>
+          </a:solidFill>
+        </p:spPr>
+        <p:style>
+          <a:lnRef idx="2">
+            <a:schemeClr val="accent4">
+              <a:shade val="50000"/>
+            </a:schemeClr>
+          </a:lnRef>
+          <a:fillRef idx="1">
+            <a:schemeClr val="accent4"/>
+          </a:fillRef>
+          <a:effectRef idx="0">
+            <a:schemeClr val="accent4"/>
+          </a:effectRef>
+          <a:fontRef idx="minor">
+            <a:schemeClr val="lt1"/>
+          </a:fontRef>
+        </p:style>
+        <p:txBody>
+          <a:bodyPr rtlCol="0" anchor="ctr"/>
+          <a:lstStyle/>
+          <a:p>
+            <a:pPr algn="ctr"/>
+            <a:endParaRPr lang="en-US" dirty="0"/>
+          </a:p>
+        </p:txBody>
+      </p:sp>
+      <p:sp>
+        <p:nvSpPr>
+          <p:cNvPr id="97" name="Rectangle: Rounded Corners 96">
+            <a:extLst>
+              <a:ext uri="{FF2B5EF4-FFF2-40B4-BE49-F238E27FC236}">
+                <a16:creationId xmlns:a16="http://schemas.microsoft.com/office/drawing/2014/main" id="{B1D56B00-680D-4CC4-8B74-7733CCD94338}"/>
+              </a:ext>
+            </a:extLst>
+          </p:cNvPr>
+          <p:cNvSpPr/>
+          <p:nvPr/>
+        </p:nvSpPr>
+        <p:spPr>
+          <a:xfrm>
+            <a:off x="8572355" y="2020092"/>
+            <a:ext cx="853043" cy="604504"/>
+          </a:xfrm>
+          <a:prstGeom prst="roundRect">
+            <a:avLst/>
+          </a:prstGeom>
+          <a:solidFill>
+            <a:srgbClr val="F3C43F"/>
+          </a:solidFill>
+        </p:spPr>
+        <p:style>
+          <a:lnRef idx="2">
+            <a:schemeClr val="accent4">
+              <a:shade val="50000"/>
+            </a:schemeClr>
+          </a:lnRef>
+          <a:fillRef idx="1">
+            <a:schemeClr val="accent4"/>
+          </a:fillRef>
+          <a:effectRef idx="0">
+            <a:schemeClr val="accent4"/>
+          </a:effectRef>
+          <a:fontRef idx="minor">
+            <a:schemeClr val="lt1"/>
+          </a:fontRef>
+        </p:style>
+        <p:txBody>
+          <a:bodyPr rtlCol="0" anchor="ctr"/>
+          <a:lstStyle/>
+          <a:p>
+            <a:pPr algn="ctr"/>
+            <a:endParaRPr lang="en-US" dirty="0"/>
+          </a:p>
+        </p:txBody>
+      </p:sp>
+      <p:sp>
+        <p:nvSpPr>
+          <p:cNvPr id="98" name="Rectangle: Rounded Corners 97">
+            <a:extLst>
+              <a:ext uri="{FF2B5EF4-FFF2-40B4-BE49-F238E27FC236}">
+                <a16:creationId xmlns:a16="http://schemas.microsoft.com/office/drawing/2014/main" id="{50C7BACB-5E19-4389-B712-324110F75EF3}"/>
+              </a:ext>
+            </a:extLst>
+          </p:cNvPr>
+          <p:cNvSpPr/>
+          <p:nvPr/>
+        </p:nvSpPr>
+        <p:spPr>
+          <a:xfrm>
+            <a:off x="9554681" y="2022513"/>
+            <a:ext cx="853043" cy="613647"/>
+          </a:xfrm>
+          <a:prstGeom prst="roundRect">
+            <a:avLst/>
+          </a:prstGeom>
+          <a:solidFill>
+            <a:srgbClr val="F3C43F"/>
+          </a:solidFill>
+        </p:spPr>
+        <p:style>
+          <a:lnRef idx="2">
+            <a:schemeClr val="accent4">
+              <a:shade val="50000"/>
+            </a:schemeClr>
+          </a:lnRef>
+          <a:fillRef idx="1">
+            <a:schemeClr val="accent4"/>
+          </a:fillRef>
+          <a:effectRef idx="0">
+            <a:schemeClr val="accent4"/>
+          </a:effectRef>
+          <a:fontRef idx="minor">
+            <a:schemeClr val="lt1"/>
+          </a:fontRef>
+        </p:style>
+        <p:txBody>
+          <a:bodyPr rtlCol="0" anchor="ctr"/>
+          <a:lstStyle/>
+          <a:p>
+            <a:pPr algn="ctr"/>
+            <a:endParaRPr lang="en-US" dirty="0"/>
+          </a:p>
+        </p:txBody>
+      </p:sp>
+      <p:sp>
+        <p:nvSpPr>
+          <p:cNvPr id="99" name="Rectangle: Rounded Corners 98">
+            <a:extLst>
+              <a:ext uri="{FF2B5EF4-FFF2-40B4-BE49-F238E27FC236}">
+                <a16:creationId xmlns:a16="http://schemas.microsoft.com/office/drawing/2014/main" id="{2F0FA411-03FE-42AC-8425-2CADD1D35873}"/>
+              </a:ext>
+            </a:extLst>
+          </p:cNvPr>
+          <p:cNvSpPr/>
+          <p:nvPr/>
+        </p:nvSpPr>
+        <p:spPr>
+          <a:xfrm>
+            <a:off x="10509825" y="2032255"/>
+            <a:ext cx="853043" cy="613648"/>
+          </a:xfrm>
+          <a:prstGeom prst="roundRect">
+            <a:avLst/>
+          </a:prstGeom>
+          <a:solidFill>
+            <a:srgbClr val="F3C43F"/>
+          </a:solidFill>
+        </p:spPr>
+        <p:style>
+          <a:lnRef idx="2">
+            <a:schemeClr val="accent4">
+              <a:shade val="50000"/>
+            </a:schemeClr>
+          </a:lnRef>
+          <a:fillRef idx="1">
+            <a:schemeClr val="accent4"/>
+          </a:fillRef>
+          <a:effectRef idx="0">
+            <a:schemeClr val="accent4"/>
+          </a:effectRef>
+          <a:fontRef idx="minor">
+            <a:schemeClr val="lt1"/>
+          </a:fontRef>
+        </p:style>
+        <p:txBody>
+          <a:bodyPr rtlCol="0" anchor="ctr"/>
+          <a:lstStyle/>
+          <a:p>
+            <a:pPr algn="ctr"/>
+            <a:endParaRPr lang="en-US" dirty="0"/>
+          </a:p>
+        </p:txBody>
+      </p:sp>
+      <p:sp>
+        <p:nvSpPr>
+          <p:cNvPr id="109" name="Rectangle: Rounded Corners 108">
+            <a:extLst>
+              <a:ext uri="{FF2B5EF4-FFF2-40B4-BE49-F238E27FC236}">
+                <a16:creationId xmlns:a16="http://schemas.microsoft.com/office/drawing/2014/main" id="{83E43DFE-8B24-4E44-BD7C-530DBD3C58E6}"/>
+              </a:ext>
+            </a:extLst>
+          </p:cNvPr>
+          <p:cNvSpPr/>
+          <p:nvPr/>
+        </p:nvSpPr>
+        <p:spPr>
+          <a:xfrm>
+            <a:off x="109526" y="903657"/>
+            <a:ext cx="853043" cy="626122"/>
+          </a:xfrm>
+          <a:prstGeom prst="roundRect">
+            <a:avLst/>
+          </a:prstGeom>
+          <a:solidFill>
+            <a:srgbClr val="92D050"/>
+          </a:solidFill>
+        </p:spPr>
+        <p:style>
+          <a:lnRef idx="2">
+            <a:schemeClr val="accent4">
+              <a:shade val="50000"/>
+            </a:schemeClr>
+          </a:lnRef>
+          <a:fillRef idx="1">
+            <a:schemeClr val="accent4"/>
+          </a:fillRef>
+          <a:effectRef idx="0">
+            <a:schemeClr val="accent4"/>
+          </a:effectRef>
+          <a:fontRef idx="minor">
+            <a:schemeClr val="lt1"/>
+          </a:fontRef>
+        </p:style>
+        <p:txBody>
+          <a:bodyPr rtlCol="0" anchor="ctr"/>
+          <a:lstStyle/>
+          <a:p>
+            <a:pPr algn="ctr"/>
+            <a:endParaRPr lang="en-US" b="1" dirty="0">
+              <a:solidFill>
+                <a:schemeClr val="tx1"/>
+              </a:solidFill>
+            </a:endParaRPr>
+          </a:p>
+        </p:txBody>
+      </p:sp>
+      <p:sp>
+        <p:nvSpPr>
+          <p:cNvPr id="110" name="Rectangle: Rounded Corners 109">
+            <a:extLst>
+              <a:ext uri="{FF2B5EF4-FFF2-40B4-BE49-F238E27FC236}">
+                <a16:creationId xmlns:a16="http://schemas.microsoft.com/office/drawing/2014/main" id="{334757FB-D03E-4AF0-A0B5-264A763EA2C8}"/>
+              </a:ext>
+            </a:extLst>
+          </p:cNvPr>
+          <p:cNvSpPr/>
+          <p:nvPr/>
+        </p:nvSpPr>
+        <p:spPr>
+          <a:xfrm>
+            <a:off x="1041971" y="923544"/>
+            <a:ext cx="853043" cy="614894"/>
+          </a:xfrm>
+          <a:prstGeom prst="roundRect">
+            <a:avLst/>
+          </a:prstGeom>
+          <a:solidFill>
+            <a:srgbClr val="92D050"/>
+          </a:solidFill>
+        </p:spPr>
+        <p:style>
+          <a:lnRef idx="2">
+            <a:schemeClr val="accent4">
+              <a:shade val="50000"/>
+            </a:schemeClr>
+          </a:lnRef>
+          <a:fillRef idx="1">
+            <a:schemeClr val="accent4"/>
+          </a:fillRef>
+          <a:effectRef idx="0">
+            <a:schemeClr val="accent4"/>
+          </a:effectRef>
+          <a:fontRef idx="minor">
+            <a:schemeClr val="lt1"/>
+          </a:fontRef>
+        </p:style>
+        <p:txBody>
+          <a:bodyPr rtlCol="0" anchor="ctr"/>
+          <a:lstStyle/>
+          <a:p>
+            <a:pPr algn="ctr"/>
+            <a:endParaRPr lang="en-US"/>
+          </a:p>
+        </p:txBody>
+      </p:sp>
+      <p:sp>
+        <p:nvSpPr>
+          <p:cNvPr id="111" name="Rectangle: Rounded Corners 110">
+            <a:extLst>
+              <a:ext uri="{FF2B5EF4-FFF2-40B4-BE49-F238E27FC236}">
+                <a16:creationId xmlns:a16="http://schemas.microsoft.com/office/drawing/2014/main" id="{CD24AA5A-09F2-49A4-B089-90F8EBF51F42}"/>
+              </a:ext>
+            </a:extLst>
+          </p:cNvPr>
+          <p:cNvSpPr/>
+          <p:nvPr/>
+        </p:nvSpPr>
+        <p:spPr>
+          <a:xfrm>
+            <a:off x="1981471" y="897307"/>
+            <a:ext cx="853043" cy="628637"/>
+          </a:xfrm>
+          <a:prstGeom prst="roundRect">
+            <a:avLst/>
+          </a:prstGeom>
+          <a:solidFill>
+            <a:srgbClr val="92D050"/>
+          </a:solidFill>
+        </p:spPr>
+        <p:style>
+          <a:lnRef idx="2">
+            <a:schemeClr val="accent4">
+              <a:shade val="50000"/>
+            </a:schemeClr>
+          </a:lnRef>
+          <a:fillRef idx="1">
+            <a:schemeClr val="accent4"/>
+          </a:fillRef>
+          <a:effectRef idx="0">
+            <a:schemeClr val="accent4"/>
+          </a:effectRef>
+          <a:fontRef idx="minor">
+            <a:schemeClr val="lt1"/>
+          </a:fontRef>
+        </p:style>
+        <p:txBody>
+          <a:bodyPr rtlCol="0" anchor="ctr"/>
+          <a:lstStyle/>
+          <a:p>
+            <a:pPr algn="ctr"/>
+            <a:endParaRPr lang="en-US"/>
+          </a:p>
+        </p:txBody>
+      </p:sp>
+      <p:sp>
+        <p:nvSpPr>
+          <p:cNvPr id="112" name="Rectangle: Rounded Corners 111">
+            <a:extLst>
+              <a:ext uri="{FF2B5EF4-FFF2-40B4-BE49-F238E27FC236}">
+                <a16:creationId xmlns:a16="http://schemas.microsoft.com/office/drawing/2014/main" id="{8324C29E-1881-4FD1-8678-C2D7F15A4016}"/>
+              </a:ext>
+            </a:extLst>
+          </p:cNvPr>
+          <p:cNvSpPr/>
+          <p:nvPr/>
+        </p:nvSpPr>
+        <p:spPr>
+          <a:xfrm>
+            <a:off x="2906832" y="913020"/>
+            <a:ext cx="853043" cy="606114"/>
+          </a:xfrm>
+          <a:prstGeom prst="roundRect">
+            <a:avLst/>
+          </a:prstGeom>
+          <a:solidFill>
+            <a:srgbClr val="92D050"/>
+          </a:solidFill>
+        </p:spPr>
+        <p:style>
+          <a:lnRef idx="2">
+            <a:schemeClr val="accent4">
+              <a:shade val="50000"/>
+            </a:schemeClr>
+          </a:lnRef>
+          <a:fillRef idx="1">
+            <a:schemeClr val="accent4"/>
+          </a:fillRef>
+          <a:effectRef idx="0">
+            <a:schemeClr val="accent4"/>
+          </a:effectRef>
+          <a:fontRef idx="minor">
+            <a:schemeClr val="lt1"/>
+          </a:fontRef>
+        </p:style>
+        <p:txBody>
+          <a:bodyPr rtlCol="0" anchor="ctr"/>
+          <a:lstStyle/>
+          <a:p>
+            <a:pPr algn="ctr"/>
+            <a:endParaRPr lang="en-US"/>
+          </a:p>
+        </p:txBody>
+      </p:sp>
+      <p:sp>
+        <p:nvSpPr>
+          <p:cNvPr id="113" name="Rectangle: Rounded Corners 112">
+            <a:extLst>
+              <a:ext uri="{FF2B5EF4-FFF2-40B4-BE49-F238E27FC236}">
+                <a16:creationId xmlns:a16="http://schemas.microsoft.com/office/drawing/2014/main" id="{BCEB4A45-3871-4C21-A205-223700B5C76B}"/>
+              </a:ext>
+            </a:extLst>
+          </p:cNvPr>
+          <p:cNvSpPr/>
+          <p:nvPr/>
+        </p:nvSpPr>
+        <p:spPr>
+          <a:xfrm>
+            <a:off x="3860074" y="886968"/>
+            <a:ext cx="853043" cy="640572"/>
+          </a:xfrm>
+          <a:prstGeom prst="roundRect">
+            <a:avLst/>
+          </a:prstGeom>
+          <a:solidFill>
+            <a:srgbClr val="92D050"/>
+          </a:solidFill>
+        </p:spPr>
+        <p:style>
+          <a:lnRef idx="2">
+            <a:schemeClr val="accent4">
+              <a:shade val="50000"/>
+            </a:schemeClr>
+          </a:lnRef>
+          <a:fillRef idx="1">
+            <a:schemeClr val="accent4"/>
+          </a:fillRef>
+          <a:effectRef idx="0">
+            <a:schemeClr val="accent4"/>
+          </a:effectRef>
+          <a:fontRef idx="minor">
+            <a:schemeClr val="lt1"/>
+          </a:fontRef>
+        </p:style>
+        <p:txBody>
+          <a:bodyPr rtlCol="0" anchor="ctr"/>
+          <a:lstStyle/>
+          <a:p>
+            <a:pPr algn="ctr"/>
+            <a:endParaRPr lang="en-US"/>
+          </a:p>
+        </p:txBody>
+      </p:sp>
+      <p:sp>
+        <p:nvSpPr>
+          <p:cNvPr id="114" name="Rectangle: Rounded Corners 113">
+            <a:extLst>
+              <a:ext uri="{FF2B5EF4-FFF2-40B4-BE49-F238E27FC236}">
+                <a16:creationId xmlns:a16="http://schemas.microsoft.com/office/drawing/2014/main" id="{79098C4E-29D0-433A-BF1C-0449CA517254}"/>
+              </a:ext>
+            </a:extLst>
+          </p:cNvPr>
+          <p:cNvSpPr/>
+          <p:nvPr/>
+        </p:nvSpPr>
+        <p:spPr>
+          <a:xfrm>
+            <a:off x="4807875" y="898541"/>
+            <a:ext cx="853043" cy="658174"/>
+          </a:xfrm>
+          <a:prstGeom prst="roundRect">
+            <a:avLst/>
+          </a:prstGeom>
+          <a:solidFill>
+            <a:srgbClr val="92D050"/>
+          </a:solidFill>
+        </p:spPr>
+        <p:style>
+          <a:lnRef idx="2">
+            <a:schemeClr val="accent4">
+              <a:shade val="50000"/>
+            </a:schemeClr>
+          </a:lnRef>
+          <a:fillRef idx="1">
+            <a:schemeClr val="accent4"/>
+          </a:fillRef>
+          <a:effectRef idx="0">
+            <a:schemeClr val="accent4"/>
+          </a:effectRef>
+          <a:fontRef idx="minor">
+            <a:schemeClr val="lt1"/>
+          </a:fontRef>
+        </p:style>
+        <p:txBody>
+          <a:bodyPr rtlCol="0" anchor="ctr"/>
+          <a:lstStyle/>
+          <a:p>
+            <a:pPr algn="ctr"/>
+            <a:endParaRPr lang="en-US"/>
+          </a:p>
+        </p:txBody>
+      </p:sp>
+      <p:sp>
+        <p:nvSpPr>
+          <p:cNvPr id="115" name="Rectangle: Rounded Corners 114">
+            <a:extLst>
+              <a:ext uri="{FF2B5EF4-FFF2-40B4-BE49-F238E27FC236}">
+                <a16:creationId xmlns:a16="http://schemas.microsoft.com/office/drawing/2014/main" id="{D6D23217-28B4-4D3A-9682-E4EE6152F528}"/>
+              </a:ext>
+            </a:extLst>
+          </p:cNvPr>
+          <p:cNvSpPr/>
+          <p:nvPr/>
+        </p:nvSpPr>
+        <p:spPr>
+          <a:xfrm>
+            <a:off x="5763935" y="902309"/>
+            <a:ext cx="853043" cy="637881"/>
+          </a:xfrm>
+          <a:prstGeom prst="roundRect">
+            <a:avLst/>
+          </a:prstGeom>
+          <a:solidFill>
+            <a:srgbClr val="92D050"/>
+          </a:solidFill>
+        </p:spPr>
+        <p:style>
+          <a:lnRef idx="2">
+            <a:schemeClr val="accent4">
+              <a:shade val="50000"/>
+            </a:schemeClr>
+          </a:lnRef>
+          <a:fillRef idx="1">
+            <a:schemeClr val="accent4"/>
+          </a:fillRef>
+          <a:effectRef idx="0">
+            <a:schemeClr val="accent4"/>
+          </a:effectRef>
+          <a:fontRef idx="minor">
+            <a:schemeClr val="lt1"/>
+          </a:fontRef>
+        </p:style>
+        <p:txBody>
+          <a:bodyPr rtlCol="0" anchor="ctr"/>
+          <a:lstStyle/>
+          <a:p>
+            <a:pPr algn="ctr"/>
+            <a:endParaRPr lang="en-US"/>
+          </a:p>
+        </p:txBody>
+      </p:sp>
+      <p:sp>
+        <p:nvSpPr>
+          <p:cNvPr id="116" name="Rectangle: Rounded Corners 115">
+            <a:extLst>
+              <a:ext uri="{FF2B5EF4-FFF2-40B4-BE49-F238E27FC236}">
+                <a16:creationId xmlns:a16="http://schemas.microsoft.com/office/drawing/2014/main" id="{F2C8FD97-BBAC-4B14-B55E-4DFFE9AD1FF4}"/>
+              </a:ext>
+            </a:extLst>
+          </p:cNvPr>
+          <p:cNvSpPr/>
+          <p:nvPr/>
+        </p:nvSpPr>
+        <p:spPr>
+          <a:xfrm>
+            <a:off x="6699604" y="904978"/>
+            <a:ext cx="853043" cy="619160"/>
+          </a:xfrm>
+          <a:prstGeom prst="roundRect">
+            <a:avLst/>
+          </a:prstGeom>
+          <a:solidFill>
+            <a:srgbClr val="92D050"/>
+          </a:solidFill>
+        </p:spPr>
+        <p:style>
+          <a:lnRef idx="2">
+            <a:schemeClr val="accent4">
+              <a:shade val="50000"/>
+            </a:schemeClr>
+          </a:lnRef>
+          <a:fillRef idx="1">
+            <a:schemeClr val="accent4"/>
+          </a:fillRef>
+          <a:effectRef idx="0">
+            <a:schemeClr val="accent4"/>
+          </a:effectRef>
+          <a:fontRef idx="minor">
+            <a:schemeClr val="lt1"/>
+          </a:fontRef>
+        </p:style>
+        <p:txBody>
+          <a:bodyPr rtlCol="0" anchor="ctr"/>
+          <a:lstStyle/>
+          <a:p>
+            <a:pPr algn="ctr"/>
+            <a:endParaRPr lang="en-US" dirty="0"/>
+          </a:p>
+        </p:txBody>
+      </p:sp>
+      <p:sp>
+        <p:nvSpPr>
+          <p:cNvPr id="117" name="Rectangle: Rounded Corners 116">
+            <a:extLst>
+              <a:ext uri="{FF2B5EF4-FFF2-40B4-BE49-F238E27FC236}">
+                <a16:creationId xmlns:a16="http://schemas.microsoft.com/office/drawing/2014/main" id="{343D7624-E606-4E4A-9EBD-F1D053188997}"/>
+              </a:ext>
+            </a:extLst>
+          </p:cNvPr>
+          <p:cNvSpPr/>
+          <p:nvPr/>
+        </p:nvSpPr>
+        <p:spPr>
+          <a:xfrm>
+            <a:off x="7664978" y="919915"/>
+            <a:ext cx="853043" cy="628697"/>
+          </a:xfrm>
+          <a:prstGeom prst="roundRect">
+            <a:avLst/>
+          </a:prstGeom>
+          <a:solidFill>
+            <a:srgbClr val="92D050"/>
+          </a:solidFill>
+        </p:spPr>
+        <p:style>
+          <a:lnRef idx="2">
+            <a:schemeClr val="accent4">
+              <a:shade val="50000"/>
+            </a:schemeClr>
+          </a:lnRef>
+          <a:fillRef idx="1">
+            <a:schemeClr val="accent4"/>
+          </a:fillRef>
+          <a:effectRef idx="0">
+            <a:schemeClr val="accent4"/>
+          </a:effectRef>
+          <a:fontRef idx="minor">
+            <a:schemeClr val="lt1"/>
+          </a:fontRef>
+        </p:style>
+        <p:txBody>
+          <a:bodyPr rtlCol="0" anchor="ctr"/>
+          <a:lstStyle/>
+          <a:p>
+            <a:pPr algn="ctr"/>
+            <a:endParaRPr lang="en-US" dirty="0"/>
+          </a:p>
+        </p:txBody>
+      </p:sp>
+      <p:sp>
+        <p:nvSpPr>
+          <p:cNvPr id="118" name="Rectangle: Rounded Corners 117">
+            <a:extLst>
+              <a:ext uri="{FF2B5EF4-FFF2-40B4-BE49-F238E27FC236}">
+                <a16:creationId xmlns:a16="http://schemas.microsoft.com/office/drawing/2014/main" id="{DBB966C3-BD16-46C5-AABF-E4003BEB0ABB}"/>
+              </a:ext>
+            </a:extLst>
+          </p:cNvPr>
+          <p:cNvSpPr/>
+          <p:nvPr/>
+        </p:nvSpPr>
+        <p:spPr>
+          <a:xfrm>
+            <a:off x="8591333" y="928017"/>
+            <a:ext cx="853043" cy="619160"/>
+          </a:xfrm>
+          <a:prstGeom prst="roundRect">
+            <a:avLst/>
+          </a:prstGeom>
+          <a:solidFill>
+            <a:srgbClr val="92D050"/>
+          </a:solidFill>
+        </p:spPr>
+        <p:style>
+          <a:lnRef idx="2">
+            <a:schemeClr val="accent4">
+              <a:shade val="50000"/>
+            </a:schemeClr>
+          </a:lnRef>
+          <a:fillRef idx="1">
+            <a:schemeClr val="accent4"/>
+          </a:fillRef>
+          <a:effectRef idx="0">
+            <a:schemeClr val="accent4"/>
+          </a:effectRef>
+          <a:fontRef idx="minor">
+            <a:schemeClr val="lt1"/>
+          </a:fontRef>
+        </p:style>
+        <p:txBody>
+          <a:bodyPr rtlCol="0" anchor="ctr"/>
+          <a:lstStyle/>
+          <a:p>
+            <a:pPr algn="ctr"/>
+            <a:endParaRPr lang="en-US" dirty="0"/>
+          </a:p>
+        </p:txBody>
+      </p:sp>
+      <p:sp>
+        <p:nvSpPr>
+          <p:cNvPr id="119" name="Rectangle: Rounded Corners 118">
+            <a:extLst>
+              <a:ext uri="{FF2B5EF4-FFF2-40B4-BE49-F238E27FC236}">
+                <a16:creationId xmlns:a16="http://schemas.microsoft.com/office/drawing/2014/main" id="{09275915-FB93-4BA0-9264-EED84B311E00}"/>
+              </a:ext>
+            </a:extLst>
+          </p:cNvPr>
+          <p:cNvSpPr/>
+          <p:nvPr/>
+        </p:nvSpPr>
+        <p:spPr>
+          <a:xfrm>
+            <a:off x="9551610" y="923544"/>
+            <a:ext cx="853043" cy="609958"/>
+          </a:xfrm>
+          <a:prstGeom prst="roundRect">
+            <a:avLst/>
+          </a:prstGeom>
+          <a:solidFill>
+            <a:srgbClr val="92D050"/>
+          </a:solidFill>
+        </p:spPr>
+        <p:style>
+          <a:lnRef idx="2">
+            <a:schemeClr val="accent4">
+              <a:shade val="50000"/>
+            </a:schemeClr>
+          </a:lnRef>
+          <a:fillRef idx="1">
+            <a:schemeClr val="accent4"/>
+          </a:fillRef>
+          <a:effectRef idx="0">
+            <a:schemeClr val="accent4"/>
+          </a:effectRef>
+          <a:fontRef idx="minor">
+            <a:schemeClr val="lt1"/>
+          </a:fontRef>
+        </p:style>
+        <p:txBody>
+          <a:bodyPr rtlCol="0" anchor="ctr"/>
+          <a:lstStyle/>
+          <a:p>
+            <a:pPr algn="ctr"/>
+            <a:endParaRPr lang="en-US" dirty="0"/>
+          </a:p>
+        </p:txBody>
+      </p:sp>
+      <p:sp>
+        <p:nvSpPr>
+          <p:cNvPr id="120" name="Rectangle: Rounded Corners 119">
+            <a:extLst>
+              <a:ext uri="{FF2B5EF4-FFF2-40B4-BE49-F238E27FC236}">
+                <a16:creationId xmlns:a16="http://schemas.microsoft.com/office/drawing/2014/main" id="{B46E2648-6064-477B-97E4-9F7E65CE6383}"/>
+              </a:ext>
+            </a:extLst>
+          </p:cNvPr>
+          <p:cNvSpPr/>
+          <p:nvPr/>
+        </p:nvSpPr>
+        <p:spPr>
+          <a:xfrm>
+            <a:off x="10527178" y="913020"/>
+            <a:ext cx="853043" cy="628525"/>
+          </a:xfrm>
+          <a:prstGeom prst="roundRect">
+            <a:avLst/>
+          </a:prstGeom>
+          <a:solidFill>
+            <a:srgbClr val="92D050"/>
+          </a:solidFill>
+        </p:spPr>
+        <p:style>
+          <a:lnRef idx="2">
+            <a:schemeClr val="accent4">
+              <a:shade val="50000"/>
+            </a:schemeClr>
+          </a:lnRef>
+          <a:fillRef idx="1">
+            <a:schemeClr val="accent4"/>
+          </a:fillRef>
+          <a:effectRef idx="0">
+            <a:schemeClr val="accent4"/>
+          </a:effectRef>
+          <a:fontRef idx="minor">
+            <a:schemeClr val="lt1"/>
+          </a:fontRef>
+        </p:style>
+        <p:txBody>
+          <a:bodyPr rtlCol="0" anchor="ctr"/>
+          <a:lstStyle/>
+          <a:p>
+            <a:pPr algn="ctr"/>
+            <a:endParaRPr lang="en-US" dirty="0"/>
+          </a:p>
+        </p:txBody>
+      </p:sp>
+      <p:sp>
+        <p:nvSpPr>
+          <p:cNvPr id="133" name="Rectangle 132">
+            <a:extLst>
+              <a:ext uri="{FF2B5EF4-FFF2-40B4-BE49-F238E27FC236}">
+                <a16:creationId xmlns:a16="http://schemas.microsoft.com/office/drawing/2014/main" id="{82AC81A8-EE71-4E72-A2FD-D249869CD229}"/>
+              </a:ext>
+            </a:extLst>
+          </p:cNvPr>
+          <p:cNvSpPr/>
+          <p:nvPr/>
+        </p:nvSpPr>
+        <p:spPr>
+          <a:xfrm>
+            <a:off x="112587" y="519778"/>
+            <a:ext cx="11244807" cy="297989"/>
+          </a:xfrm>
+          <a:prstGeom prst="rect">
+            <a:avLst/>
+          </a:prstGeom>
+          <a:solidFill>
+            <a:schemeClr val="bg1">
+              <a:lumMod val="50000"/>
+            </a:schemeClr>
+          </a:solidFill>
+          <a:ln>
+            <a:noFill/>
+          </a:ln>
+          <a:effectLst>
+            <a:outerShdw blurRad="50800" dist="38100" dir="5400000" algn="t" rotWithShape="0">
+              <a:prstClr val="black">
+                <a:alpha val="40000"/>
+              </a:prstClr>
+            </a:outerShdw>
+          </a:effectLst>
+        </p:spPr>
+        <p:style>
+          <a:lnRef idx="2">
+            <a:schemeClr val="accent1">
+              <a:shade val="50000"/>
+            </a:schemeClr>
+          </a:lnRef>
+          <a:fillRef idx="1">
+            <a:schemeClr val="accent1"/>
+          </a:fillRef>
+          <a:effectRef idx="0">
+            <a:schemeClr val="accent1"/>
+          </a:effectRef>
+          <a:fontRef idx="minor">
+            <a:schemeClr val="lt1"/>
+          </a:fontRef>
+        </p:style>
+        <p:txBody>
+          <a:bodyPr rtlCol="0" anchor="ctr"/>
+          <a:lstStyle/>
+          <a:p>
+            <a:r>
+              <a:rPr lang="en-US" sz="2000" b="1" dirty="0"/>
+              <a:t>Sales Achievement %</a:t>
+            </a:r>
+          </a:p>
+        </p:txBody>
+      </p:sp>
+      <p:sp>
+        <p:nvSpPr>
+          <p:cNvPr id="142" name="TextBox 141">
+            <a:extLst>
+              <a:ext uri="{FF2B5EF4-FFF2-40B4-BE49-F238E27FC236}">
+                <a16:creationId xmlns:a16="http://schemas.microsoft.com/office/drawing/2014/main" id="{B18DC8EE-4E94-4DC7-A04F-7B2E46657E80}"/>
+              </a:ext>
+            </a:extLst>
+          </p:cNvPr>
+          <p:cNvSpPr txBox="1"/>
+          <p:nvPr/>
+        </p:nvSpPr>
+        <p:spPr>
+          <a:xfrm>
+            <a:off x="115430" y="3207882"/>
+            <a:ext cx="779381" cy="307777"/>
+          </a:xfrm>
+          <a:prstGeom prst="rect">
+            <a:avLst/>
+          </a:prstGeom>
+          <a:noFill/>
+        </p:spPr>
+        <p:txBody>
+          <a:bodyPr wrap="none" rtlCol="0">
+            <a:spAutoFit/>
+          </a:bodyPr>
+          <a:lstStyle/>
+          <a:p>
+            <a:r>
+              <a:rPr lang="en-US" sz="1400" b="1" dirty="0"/>
+              <a:t>LIGAZID</a:t>
+            </a:r>
+          </a:p>
+        </p:txBody>
+      </p:sp>
+      <p:sp>
+        <p:nvSpPr>
+          <p:cNvPr id="143" name="TextBox 142">
+            <a:extLst>
+              <a:ext uri="{FF2B5EF4-FFF2-40B4-BE49-F238E27FC236}">
+                <a16:creationId xmlns:a16="http://schemas.microsoft.com/office/drawing/2014/main" id="{AD8A408C-D255-41F4-AC7E-3DD944866062}"/>
+              </a:ext>
+            </a:extLst>
+          </p:cNvPr>
+          <p:cNvSpPr txBox="1"/>
+          <p:nvPr/>
+        </p:nvSpPr>
+        <p:spPr>
+          <a:xfrm>
+            <a:off x="1008490" y="3207882"/>
+            <a:ext cx="787395" cy="307777"/>
+          </a:xfrm>
+          <a:prstGeom prst="rect">
+            <a:avLst/>
+          </a:prstGeom>
+          <a:noFill/>
+        </p:spPr>
+        <p:txBody>
+          <a:bodyPr wrap="none" rtlCol="0">
+            <a:spAutoFit/>
+          </a:bodyPr>
+          <a:lstStyle/>
+          <a:p>
+            <a:r>
+              <a:rPr lang="en-US" sz="1400" b="1" dirty="0"/>
+              <a:t>EMAZID</a:t>
+            </a:r>
+          </a:p>
+        </p:txBody>
+      </p:sp>
+      <p:sp>
+        <p:nvSpPr>
+          <p:cNvPr id="144" name="TextBox 143">
+            <a:extLst>
+              <a:ext uri="{FF2B5EF4-FFF2-40B4-BE49-F238E27FC236}">
+                <a16:creationId xmlns:a16="http://schemas.microsoft.com/office/drawing/2014/main" id="{25380FB1-CBAD-467C-8FF6-89A31B01451D}"/>
+              </a:ext>
+            </a:extLst>
+          </p:cNvPr>
+          <p:cNvSpPr txBox="1"/>
+          <p:nvPr/>
+        </p:nvSpPr>
+        <p:spPr>
+          <a:xfrm>
+            <a:off x="1975534" y="3225826"/>
+            <a:ext cx="786049" cy="307777"/>
+          </a:xfrm>
+          <a:prstGeom prst="rect">
+            <a:avLst/>
+          </a:prstGeom>
+          <a:noFill/>
+        </p:spPr>
+        <p:txBody>
+          <a:bodyPr wrap="none" rtlCol="0">
+            <a:spAutoFit/>
+          </a:bodyPr>
+          <a:lstStyle/>
+          <a:p>
+            <a:r>
+              <a:rPr lang="en-US" sz="1400" b="1" dirty="0"/>
+              <a:t>LIPICON</a:t>
+            </a:r>
+          </a:p>
+        </p:txBody>
+      </p:sp>
+      <p:sp>
+        <p:nvSpPr>
+          <p:cNvPr id="145" name="TextBox 144">
+            <a:extLst>
+              <a:ext uri="{FF2B5EF4-FFF2-40B4-BE49-F238E27FC236}">
+                <a16:creationId xmlns:a16="http://schemas.microsoft.com/office/drawing/2014/main" id="{DF71729E-F01D-46DA-A492-5F3C5BA388D0}"/>
+              </a:ext>
+            </a:extLst>
+          </p:cNvPr>
+          <p:cNvSpPr txBox="1"/>
+          <p:nvPr/>
+        </p:nvSpPr>
+        <p:spPr>
+          <a:xfrm>
+            <a:off x="2995675" y="3215961"/>
+            <a:ext cx="624915" cy="307777"/>
+          </a:xfrm>
+          <a:prstGeom prst="rect">
+            <a:avLst/>
+          </a:prstGeom>
+          <a:noFill/>
+        </p:spPr>
+        <p:txBody>
+          <a:bodyPr wrap="none" rtlCol="0">
+            <a:spAutoFit/>
+          </a:bodyPr>
+          <a:lstStyle/>
+          <a:p>
+            <a:r>
+              <a:rPr lang="en-US" sz="1400" b="1" dirty="0"/>
+              <a:t>AGLIP</a:t>
+            </a:r>
+          </a:p>
+        </p:txBody>
+      </p:sp>
+      <p:sp>
+        <p:nvSpPr>
+          <p:cNvPr id="146" name="TextBox 145">
+            <a:extLst>
+              <a:ext uri="{FF2B5EF4-FFF2-40B4-BE49-F238E27FC236}">
+                <a16:creationId xmlns:a16="http://schemas.microsoft.com/office/drawing/2014/main" id="{4F7D1E72-3FF1-4D64-B686-5ADCF6E56D7D}"/>
+              </a:ext>
+            </a:extLst>
+          </p:cNvPr>
+          <p:cNvSpPr txBox="1"/>
+          <p:nvPr/>
+        </p:nvSpPr>
+        <p:spPr>
+          <a:xfrm>
+            <a:off x="3853007" y="3228976"/>
+            <a:ext cx="734496" cy="307777"/>
+          </a:xfrm>
+          <a:prstGeom prst="rect">
+            <a:avLst/>
+          </a:prstGeom>
+          <a:noFill/>
+        </p:spPr>
+        <p:txBody>
+          <a:bodyPr wrap="none" rtlCol="0">
+            <a:spAutoFit/>
+          </a:bodyPr>
+          <a:lstStyle/>
+          <a:p>
+            <a:r>
+              <a:rPr lang="en-US" sz="1400" b="1" dirty="0"/>
+              <a:t>CIFIBET</a:t>
+            </a:r>
+          </a:p>
+        </p:txBody>
+      </p:sp>
+      <p:sp>
+        <p:nvSpPr>
+          <p:cNvPr id="147" name="TextBox 146">
+            <a:extLst>
+              <a:ext uri="{FF2B5EF4-FFF2-40B4-BE49-F238E27FC236}">
+                <a16:creationId xmlns:a16="http://schemas.microsoft.com/office/drawing/2014/main" id="{044949FB-BA61-4E9B-B542-62098F413892}"/>
+              </a:ext>
+            </a:extLst>
+          </p:cNvPr>
+          <p:cNvSpPr txBox="1"/>
+          <p:nvPr/>
+        </p:nvSpPr>
+        <p:spPr>
+          <a:xfrm>
+            <a:off x="4745990" y="3214380"/>
+            <a:ext cx="838371" cy="307777"/>
+          </a:xfrm>
+          <a:prstGeom prst="rect">
+            <a:avLst/>
+          </a:prstGeom>
+          <a:noFill/>
+        </p:spPr>
+        <p:txBody>
+          <a:bodyPr wrap="none" rtlCol="0">
+            <a:spAutoFit/>
+          </a:bodyPr>
+          <a:lstStyle/>
+          <a:p>
+            <a:r>
+              <a:rPr lang="en-US" sz="1400" b="1" dirty="0"/>
+              <a:t>AMLEVO</a:t>
+            </a:r>
+          </a:p>
+        </p:txBody>
+      </p:sp>
+      <p:sp>
+        <p:nvSpPr>
+          <p:cNvPr id="148" name="TextBox 147">
+            <a:extLst>
+              <a:ext uri="{FF2B5EF4-FFF2-40B4-BE49-F238E27FC236}">
+                <a16:creationId xmlns:a16="http://schemas.microsoft.com/office/drawing/2014/main" id="{CE57F3E9-72FC-4009-9692-E8F23131A74D}"/>
+              </a:ext>
+            </a:extLst>
+          </p:cNvPr>
+          <p:cNvSpPr txBox="1"/>
+          <p:nvPr/>
+        </p:nvSpPr>
+        <p:spPr>
+          <a:xfrm>
+            <a:off x="5699845" y="3221609"/>
+            <a:ext cx="953002" cy="307777"/>
+          </a:xfrm>
+          <a:prstGeom prst="rect">
+            <a:avLst/>
+          </a:prstGeom>
+          <a:noFill/>
+        </p:spPr>
+        <p:txBody>
+          <a:bodyPr wrap="square" rtlCol="0">
+            <a:spAutoFit/>
+          </a:bodyPr>
+          <a:lstStyle/>
+          <a:p>
+            <a:r>
+              <a:rPr lang="en-US" sz="1400" b="1" dirty="0"/>
+              <a:t>CARDOBIS</a:t>
+            </a:r>
+          </a:p>
+        </p:txBody>
+      </p:sp>
+      <p:sp>
+        <p:nvSpPr>
+          <p:cNvPr id="149" name="TextBox 148">
+            <a:extLst>
+              <a:ext uri="{FF2B5EF4-FFF2-40B4-BE49-F238E27FC236}">
+                <a16:creationId xmlns:a16="http://schemas.microsoft.com/office/drawing/2014/main" id="{36669CBB-C2C0-4894-9940-745BC903A0D0}"/>
+              </a:ext>
+            </a:extLst>
+          </p:cNvPr>
+          <p:cNvSpPr txBox="1"/>
+          <p:nvPr/>
+        </p:nvSpPr>
+        <p:spPr>
+          <a:xfrm>
+            <a:off x="6692944" y="3228975"/>
+            <a:ext cx="853311" cy="307777"/>
+          </a:xfrm>
+          <a:prstGeom prst="rect">
+            <a:avLst/>
+          </a:prstGeom>
+          <a:noFill/>
+        </p:spPr>
+        <p:txBody>
+          <a:bodyPr wrap="none" rtlCol="0">
+            <a:spAutoFit/>
+          </a:bodyPr>
+          <a:lstStyle/>
+          <a:p>
+            <a:r>
+              <a:rPr lang="en-US" sz="1400" b="1" dirty="0"/>
+              <a:t>RIVAROX</a:t>
+            </a:r>
+          </a:p>
+        </p:txBody>
+      </p:sp>
+      <p:sp>
+        <p:nvSpPr>
+          <p:cNvPr id="150" name="TextBox 149">
+            <a:extLst>
+              <a:ext uri="{FF2B5EF4-FFF2-40B4-BE49-F238E27FC236}">
+                <a16:creationId xmlns:a16="http://schemas.microsoft.com/office/drawing/2014/main" id="{854B92A0-DF7D-4304-B1EF-0C3DC4C5D00C}"/>
+              </a:ext>
+            </a:extLst>
+          </p:cNvPr>
+          <p:cNvSpPr txBox="1"/>
+          <p:nvPr/>
+        </p:nvSpPr>
+        <p:spPr>
+          <a:xfrm>
+            <a:off x="7676108" y="3221611"/>
+            <a:ext cx="823287" cy="307777"/>
+          </a:xfrm>
+          <a:prstGeom prst="rect">
+            <a:avLst/>
+          </a:prstGeom>
+          <a:noFill/>
+        </p:spPr>
+        <p:txBody>
+          <a:bodyPr wrap="square" rtlCol="0">
+            <a:spAutoFit/>
+          </a:bodyPr>
+          <a:lstStyle/>
+          <a:p>
+            <a:r>
+              <a:rPr lang="en-US" sz="1400" b="1" dirty="0"/>
+              <a:t>NOCLOG</a:t>
+            </a:r>
+          </a:p>
+        </p:txBody>
+      </p:sp>
+      <p:sp>
+        <p:nvSpPr>
+          <p:cNvPr id="151" name="TextBox 150">
+            <a:extLst>
+              <a:ext uri="{FF2B5EF4-FFF2-40B4-BE49-F238E27FC236}">
+                <a16:creationId xmlns:a16="http://schemas.microsoft.com/office/drawing/2014/main" id="{D0BF1386-9337-446D-B03E-C11F03ED1E8E}"/>
+              </a:ext>
+            </a:extLst>
+          </p:cNvPr>
+          <p:cNvSpPr txBox="1"/>
+          <p:nvPr/>
+        </p:nvSpPr>
+        <p:spPr>
+          <a:xfrm>
+            <a:off x="9493331" y="3199760"/>
+            <a:ext cx="849015" cy="307777"/>
+          </a:xfrm>
+          <a:prstGeom prst="rect">
+            <a:avLst/>
+          </a:prstGeom>
+          <a:noFill/>
+        </p:spPr>
+        <p:txBody>
+          <a:bodyPr wrap="none" rtlCol="0">
+            <a:spAutoFit/>
+          </a:bodyPr>
+          <a:lstStyle/>
+          <a:p>
+            <a:r>
+              <a:rPr lang="en-US" sz="1400" b="1" dirty="0"/>
+              <a:t>AROTIDE</a:t>
+            </a:r>
+          </a:p>
+        </p:txBody>
+      </p:sp>
+      <p:sp>
+        <p:nvSpPr>
+          <p:cNvPr id="152" name="TextBox 151">
+            <a:extLst>
+              <a:ext uri="{FF2B5EF4-FFF2-40B4-BE49-F238E27FC236}">
+                <a16:creationId xmlns:a16="http://schemas.microsoft.com/office/drawing/2014/main" id="{08E5CFCE-B6BC-4514-B4B1-84F68502697C}"/>
+              </a:ext>
+            </a:extLst>
+          </p:cNvPr>
+          <p:cNvSpPr txBox="1"/>
+          <p:nvPr/>
+        </p:nvSpPr>
+        <p:spPr>
+          <a:xfrm>
+            <a:off x="10471959" y="3199364"/>
+            <a:ext cx="885435" cy="307777"/>
+          </a:xfrm>
+          <a:prstGeom prst="rect">
+            <a:avLst/>
+          </a:prstGeom>
+          <a:noFill/>
+        </p:spPr>
+        <p:txBody>
+          <a:bodyPr wrap="none" rtlCol="0">
+            <a:spAutoFit/>
+          </a:bodyPr>
+          <a:lstStyle/>
+          <a:p>
+            <a:r>
+              <a:rPr lang="en-US" sz="1400" b="1" dirty="0"/>
+              <a:t>FOBUNID</a:t>
+            </a:r>
+          </a:p>
+        </p:txBody>
+      </p:sp>
+      <p:sp>
+        <p:nvSpPr>
+          <p:cNvPr id="153" name="TextBox 152">
+            <a:extLst>
+              <a:ext uri="{FF2B5EF4-FFF2-40B4-BE49-F238E27FC236}">
+                <a16:creationId xmlns:a16="http://schemas.microsoft.com/office/drawing/2014/main" id="{68C76511-3A08-4742-B1B8-FEF32C09D0C7}"/>
+              </a:ext>
+            </a:extLst>
+          </p:cNvPr>
+          <p:cNvSpPr txBox="1"/>
+          <p:nvPr/>
+        </p:nvSpPr>
+        <p:spPr>
+          <a:xfrm>
+            <a:off x="8640938" y="3217273"/>
+            <a:ext cx="784459" cy="307777"/>
+          </a:xfrm>
+          <a:prstGeom prst="rect">
+            <a:avLst/>
+          </a:prstGeom>
+          <a:noFill/>
+        </p:spPr>
+        <p:txBody>
+          <a:bodyPr wrap="square">
+            <a:spAutoFit/>
+          </a:bodyPr>
+          <a:lstStyle/>
+          <a:p>
+            <a:r>
+              <a:rPr lang="en-US" sz="1400" b="1" dirty="0"/>
+              <a:t>BEMPID</a:t>
+            </a:r>
+          </a:p>
+        </p:txBody>
+      </p:sp>
+      <p:sp>
+        <p:nvSpPr>
+          <p:cNvPr id="154" name="TextBox 153">
+            <a:extLst>
+              <a:ext uri="{FF2B5EF4-FFF2-40B4-BE49-F238E27FC236}">
+                <a16:creationId xmlns:a16="http://schemas.microsoft.com/office/drawing/2014/main" id="{E811A9D0-1237-4AEA-839F-56DA731FC595}"/>
+              </a:ext>
+            </a:extLst>
+          </p:cNvPr>
+          <p:cNvSpPr txBox="1"/>
+          <p:nvPr/>
+        </p:nvSpPr>
+        <p:spPr>
+          <a:xfrm>
+            <a:off x="124369" y="2015455"/>
+            <a:ext cx="779381" cy="307777"/>
+          </a:xfrm>
+          <a:prstGeom prst="rect">
+            <a:avLst/>
+          </a:prstGeom>
+          <a:noFill/>
+        </p:spPr>
+        <p:txBody>
+          <a:bodyPr wrap="none" rtlCol="0">
+            <a:spAutoFit/>
+          </a:bodyPr>
+          <a:lstStyle/>
+          <a:p>
+            <a:r>
+              <a:rPr lang="en-US" sz="1400" b="1" dirty="0"/>
+              <a:t>LIGAZID</a:t>
+            </a:r>
+          </a:p>
+        </p:txBody>
+      </p:sp>
+      <p:sp>
+        <p:nvSpPr>
+          <p:cNvPr id="155" name="TextBox 154">
+            <a:extLst>
+              <a:ext uri="{FF2B5EF4-FFF2-40B4-BE49-F238E27FC236}">
+                <a16:creationId xmlns:a16="http://schemas.microsoft.com/office/drawing/2014/main" id="{944FA8AA-2960-48B6-9720-285ADCE78BFA}"/>
+              </a:ext>
+            </a:extLst>
+          </p:cNvPr>
+          <p:cNvSpPr txBox="1"/>
+          <p:nvPr/>
+        </p:nvSpPr>
+        <p:spPr>
+          <a:xfrm>
+            <a:off x="1017429" y="2015455"/>
+            <a:ext cx="787395" cy="307777"/>
+          </a:xfrm>
+          <a:prstGeom prst="rect">
+            <a:avLst/>
+          </a:prstGeom>
+          <a:noFill/>
+        </p:spPr>
+        <p:txBody>
+          <a:bodyPr wrap="none" rtlCol="0">
+            <a:spAutoFit/>
+          </a:bodyPr>
+          <a:lstStyle/>
+          <a:p>
+            <a:r>
+              <a:rPr lang="en-US" sz="1400" b="1" dirty="0"/>
+              <a:t>EMAZID</a:t>
+            </a:r>
+          </a:p>
+        </p:txBody>
+      </p:sp>
+      <p:sp>
+        <p:nvSpPr>
+          <p:cNvPr id="156" name="TextBox 155">
+            <a:extLst>
+              <a:ext uri="{FF2B5EF4-FFF2-40B4-BE49-F238E27FC236}">
+                <a16:creationId xmlns:a16="http://schemas.microsoft.com/office/drawing/2014/main" id="{1D9C1C57-A354-4C28-8128-A3D8C76D1F19}"/>
+              </a:ext>
+            </a:extLst>
+          </p:cNvPr>
+          <p:cNvSpPr txBox="1"/>
+          <p:nvPr/>
+        </p:nvSpPr>
+        <p:spPr>
+          <a:xfrm>
+            <a:off x="1984473" y="2033399"/>
+            <a:ext cx="786049" cy="307777"/>
+          </a:xfrm>
+          <a:prstGeom prst="rect">
+            <a:avLst/>
+          </a:prstGeom>
+          <a:noFill/>
+        </p:spPr>
+        <p:txBody>
+          <a:bodyPr wrap="none" rtlCol="0">
+            <a:spAutoFit/>
+          </a:bodyPr>
+          <a:lstStyle/>
+          <a:p>
+            <a:r>
+              <a:rPr lang="en-US" sz="1400" b="1" dirty="0"/>
+              <a:t>LIPICON</a:t>
+            </a:r>
+          </a:p>
+        </p:txBody>
+      </p:sp>
+      <p:sp>
+        <p:nvSpPr>
+          <p:cNvPr id="157" name="TextBox 156">
+            <a:extLst>
+              <a:ext uri="{FF2B5EF4-FFF2-40B4-BE49-F238E27FC236}">
+                <a16:creationId xmlns:a16="http://schemas.microsoft.com/office/drawing/2014/main" id="{F599AD9C-BF9D-40A1-A802-553748EA9EA3}"/>
+              </a:ext>
+            </a:extLst>
+          </p:cNvPr>
+          <p:cNvSpPr txBox="1"/>
+          <p:nvPr/>
+        </p:nvSpPr>
+        <p:spPr>
+          <a:xfrm>
+            <a:off x="3004614" y="2023534"/>
+            <a:ext cx="624915" cy="307777"/>
+          </a:xfrm>
+          <a:prstGeom prst="rect">
+            <a:avLst/>
+          </a:prstGeom>
+          <a:noFill/>
+        </p:spPr>
+        <p:txBody>
+          <a:bodyPr wrap="none" rtlCol="0">
+            <a:spAutoFit/>
+          </a:bodyPr>
+          <a:lstStyle/>
+          <a:p>
+            <a:r>
+              <a:rPr lang="en-US" sz="1400" b="1" dirty="0"/>
+              <a:t>AGLIP</a:t>
+            </a:r>
+          </a:p>
+        </p:txBody>
+      </p:sp>
+      <p:sp>
+        <p:nvSpPr>
+          <p:cNvPr id="158" name="TextBox 157">
+            <a:extLst>
+              <a:ext uri="{FF2B5EF4-FFF2-40B4-BE49-F238E27FC236}">
+                <a16:creationId xmlns:a16="http://schemas.microsoft.com/office/drawing/2014/main" id="{2ACA5FC6-075F-43A0-A241-FEB71BAE0BAA}"/>
+              </a:ext>
+            </a:extLst>
+          </p:cNvPr>
+          <p:cNvSpPr txBox="1"/>
+          <p:nvPr/>
+        </p:nvSpPr>
+        <p:spPr>
+          <a:xfrm>
+            <a:off x="3861946" y="2036549"/>
+            <a:ext cx="734496" cy="307777"/>
+          </a:xfrm>
+          <a:prstGeom prst="rect">
+            <a:avLst/>
+          </a:prstGeom>
+          <a:noFill/>
+        </p:spPr>
+        <p:txBody>
+          <a:bodyPr wrap="none" rtlCol="0">
+            <a:spAutoFit/>
+          </a:bodyPr>
+          <a:lstStyle/>
+          <a:p>
+            <a:r>
+              <a:rPr lang="en-US" sz="1400" b="1" dirty="0"/>
+              <a:t>CIFIBET</a:t>
+            </a:r>
+          </a:p>
+        </p:txBody>
+      </p:sp>
+      <p:sp>
+        <p:nvSpPr>
+          <p:cNvPr id="159" name="TextBox 158">
+            <a:extLst>
+              <a:ext uri="{FF2B5EF4-FFF2-40B4-BE49-F238E27FC236}">
+                <a16:creationId xmlns:a16="http://schemas.microsoft.com/office/drawing/2014/main" id="{D6D81533-0E79-498B-A7CF-B0974A6D4610}"/>
+              </a:ext>
+            </a:extLst>
+          </p:cNvPr>
+          <p:cNvSpPr txBox="1"/>
+          <p:nvPr/>
+        </p:nvSpPr>
+        <p:spPr>
+          <a:xfrm>
+            <a:off x="4754929" y="2021953"/>
+            <a:ext cx="838371" cy="307777"/>
+          </a:xfrm>
+          <a:prstGeom prst="rect">
+            <a:avLst/>
+          </a:prstGeom>
+          <a:noFill/>
+        </p:spPr>
+        <p:txBody>
+          <a:bodyPr wrap="none" rtlCol="0">
+            <a:spAutoFit/>
+          </a:bodyPr>
+          <a:lstStyle/>
+          <a:p>
+            <a:r>
+              <a:rPr lang="en-US" sz="1400" b="1" dirty="0"/>
+              <a:t>AMLEVO</a:t>
+            </a:r>
+          </a:p>
+        </p:txBody>
+      </p:sp>
+      <p:sp>
+        <p:nvSpPr>
+          <p:cNvPr id="160" name="TextBox 159">
+            <a:extLst>
+              <a:ext uri="{FF2B5EF4-FFF2-40B4-BE49-F238E27FC236}">
+                <a16:creationId xmlns:a16="http://schemas.microsoft.com/office/drawing/2014/main" id="{A27B6072-FFF0-47CC-811D-F1A22916A7A1}"/>
+              </a:ext>
+            </a:extLst>
+          </p:cNvPr>
+          <p:cNvSpPr txBox="1"/>
+          <p:nvPr/>
+        </p:nvSpPr>
+        <p:spPr>
+          <a:xfrm>
+            <a:off x="5739612" y="1998346"/>
+            <a:ext cx="988045" cy="307777"/>
+          </a:xfrm>
+          <a:prstGeom prst="rect">
+            <a:avLst/>
+          </a:prstGeom>
+          <a:noFill/>
+        </p:spPr>
+        <p:txBody>
+          <a:bodyPr wrap="square" rtlCol="0">
+            <a:spAutoFit/>
+          </a:bodyPr>
+          <a:lstStyle/>
+          <a:p>
+            <a:r>
+              <a:rPr lang="en-US" sz="1400" b="1" dirty="0"/>
+              <a:t>CARDOBIS</a:t>
+            </a:r>
+          </a:p>
+        </p:txBody>
+      </p:sp>
+      <p:sp>
+        <p:nvSpPr>
+          <p:cNvPr id="161" name="TextBox 160">
+            <a:extLst>
+              <a:ext uri="{FF2B5EF4-FFF2-40B4-BE49-F238E27FC236}">
+                <a16:creationId xmlns:a16="http://schemas.microsoft.com/office/drawing/2014/main" id="{D13AD265-8BDF-4255-A7E5-4840A6101A34}"/>
+              </a:ext>
+            </a:extLst>
+          </p:cNvPr>
+          <p:cNvSpPr txBox="1"/>
+          <p:nvPr/>
+        </p:nvSpPr>
+        <p:spPr>
+          <a:xfrm>
+            <a:off x="6701883" y="2036548"/>
+            <a:ext cx="853311" cy="307777"/>
+          </a:xfrm>
+          <a:prstGeom prst="rect">
+            <a:avLst/>
+          </a:prstGeom>
+          <a:noFill/>
+        </p:spPr>
+        <p:txBody>
+          <a:bodyPr wrap="none" rtlCol="0">
+            <a:spAutoFit/>
+          </a:bodyPr>
+          <a:lstStyle/>
+          <a:p>
+            <a:r>
+              <a:rPr lang="en-US" sz="1400" b="1" dirty="0"/>
+              <a:t>RIVAROX</a:t>
+            </a:r>
+          </a:p>
+        </p:txBody>
+      </p:sp>
+      <p:sp>
+        <p:nvSpPr>
+          <p:cNvPr id="162" name="TextBox 161">
+            <a:extLst>
+              <a:ext uri="{FF2B5EF4-FFF2-40B4-BE49-F238E27FC236}">
+                <a16:creationId xmlns:a16="http://schemas.microsoft.com/office/drawing/2014/main" id="{5C442601-DBC1-41B3-BC32-A2D3B700AD59}"/>
+              </a:ext>
+            </a:extLst>
+          </p:cNvPr>
+          <p:cNvSpPr txBox="1"/>
+          <p:nvPr/>
+        </p:nvSpPr>
+        <p:spPr>
+          <a:xfrm>
+            <a:off x="7655665" y="2029182"/>
+            <a:ext cx="827534" cy="307777"/>
+          </a:xfrm>
+          <a:prstGeom prst="rect">
+            <a:avLst/>
+          </a:prstGeom>
+          <a:noFill/>
+        </p:spPr>
+        <p:txBody>
+          <a:bodyPr wrap="none" rtlCol="0">
+            <a:spAutoFit/>
+          </a:bodyPr>
+          <a:lstStyle/>
+          <a:p>
+            <a:r>
+              <a:rPr lang="en-US" sz="1400" b="1" dirty="0"/>
+              <a:t>NOCLOG</a:t>
+            </a:r>
+          </a:p>
+        </p:txBody>
+      </p:sp>
+      <p:sp>
+        <p:nvSpPr>
+          <p:cNvPr id="163" name="TextBox 162">
+            <a:extLst>
+              <a:ext uri="{FF2B5EF4-FFF2-40B4-BE49-F238E27FC236}">
+                <a16:creationId xmlns:a16="http://schemas.microsoft.com/office/drawing/2014/main" id="{ABD498D2-545F-41DF-BFFC-E4902E8E1A53}"/>
+              </a:ext>
+            </a:extLst>
+          </p:cNvPr>
+          <p:cNvSpPr txBox="1"/>
+          <p:nvPr/>
+        </p:nvSpPr>
+        <p:spPr>
+          <a:xfrm>
+            <a:off x="9594348" y="2035762"/>
+            <a:ext cx="850745" cy="307777"/>
+          </a:xfrm>
+          <a:prstGeom prst="rect">
+            <a:avLst/>
+          </a:prstGeom>
+          <a:noFill/>
+        </p:spPr>
+        <p:txBody>
+          <a:bodyPr wrap="square" rtlCol="0">
+            <a:spAutoFit/>
+          </a:bodyPr>
+          <a:lstStyle/>
+          <a:p>
+            <a:r>
+              <a:rPr lang="en-US" sz="1400" b="1" dirty="0"/>
+              <a:t>AROTIDE</a:t>
+            </a:r>
+          </a:p>
+        </p:txBody>
+      </p:sp>
+      <p:sp>
+        <p:nvSpPr>
+          <p:cNvPr id="164" name="TextBox 163">
+            <a:extLst>
+              <a:ext uri="{FF2B5EF4-FFF2-40B4-BE49-F238E27FC236}">
+                <a16:creationId xmlns:a16="http://schemas.microsoft.com/office/drawing/2014/main" id="{B74A9E3C-F50A-4FFF-8590-227A04CB5F91}"/>
+              </a:ext>
+            </a:extLst>
+          </p:cNvPr>
+          <p:cNvSpPr txBox="1"/>
+          <p:nvPr/>
+        </p:nvSpPr>
+        <p:spPr>
+          <a:xfrm>
+            <a:off x="10463963" y="2023082"/>
+            <a:ext cx="912322" cy="307777"/>
+          </a:xfrm>
+          <a:prstGeom prst="rect">
+            <a:avLst/>
+          </a:prstGeom>
+          <a:noFill/>
+        </p:spPr>
+        <p:txBody>
+          <a:bodyPr wrap="square" rtlCol="0">
+            <a:spAutoFit/>
+          </a:bodyPr>
+          <a:lstStyle/>
+          <a:p>
+            <a:r>
+              <a:rPr lang="en-US" sz="1400" b="1" dirty="0"/>
+              <a:t>FOBUNID</a:t>
+            </a:r>
+          </a:p>
+        </p:txBody>
+      </p:sp>
+      <p:sp>
+        <p:nvSpPr>
+          <p:cNvPr id="165" name="TextBox 164">
+            <a:extLst>
+              <a:ext uri="{FF2B5EF4-FFF2-40B4-BE49-F238E27FC236}">
+                <a16:creationId xmlns:a16="http://schemas.microsoft.com/office/drawing/2014/main" id="{A64963FE-4A4C-4BBF-86E2-DE31769CEA5F}"/>
+              </a:ext>
+            </a:extLst>
+          </p:cNvPr>
+          <p:cNvSpPr txBox="1"/>
+          <p:nvPr/>
+        </p:nvSpPr>
+        <p:spPr>
+          <a:xfrm>
+            <a:off x="8597742" y="2024844"/>
+            <a:ext cx="827655" cy="316451"/>
+          </a:xfrm>
+          <a:prstGeom prst="rect">
+            <a:avLst/>
+          </a:prstGeom>
+          <a:noFill/>
+        </p:spPr>
+        <p:txBody>
+          <a:bodyPr wrap="square">
+            <a:spAutoFit/>
+          </a:bodyPr>
+          <a:lstStyle/>
+          <a:p>
+            <a:r>
+              <a:rPr lang="en-US" sz="1400" b="1" dirty="0"/>
+              <a:t>BEMPID</a:t>
+            </a:r>
+          </a:p>
+        </p:txBody>
+      </p:sp>
+      <p:sp>
+        <p:nvSpPr>
+          <p:cNvPr id="166" name="TextBox 165">
+            <a:extLst>
+              <a:ext uri="{FF2B5EF4-FFF2-40B4-BE49-F238E27FC236}">
+                <a16:creationId xmlns:a16="http://schemas.microsoft.com/office/drawing/2014/main" id="{EC918591-6367-4CD3-B7C9-8E054C647456}"/>
+              </a:ext>
+            </a:extLst>
+          </p:cNvPr>
+          <p:cNvSpPr txBox="1"/>
+          <p:nvPr/>
+        </p:nvSpPr>
+        <p:spPr>
+          <a:xfrm>
+            <a:off x="137528" y="891755"/>
+            <a:ext cx="779381" cy="307777"/>
+          </a:xfrm>
+          <a:prstGeom prst="rect">
+            <a:avLst/>
+          </a:prstGeom>
+          <a:noFill/>
+        </p:spPr>
+        <p:txBody>
+          <a:bodyPr wrap="none" rtlCol="0">
+            <a:spAutoFit/>
+          </a:bodyPr>
+          <a:lstStyle/>
+          <a:p>
+            <a:r>
+              <a:rPr lang="en-US" sz="1400" b="1" dirty="0"/>
+              <a:t>LIGAZID</a:t>
+            </a:r>
+          </a:p>
+        </p:txBody>
+      </p:sp>
+      <p:sp>
+        <p:nvSpPr>
+          <p:cNvPr id="167" name="TextBox 166">
+            <a:extLst>
+              <a:ext uri="{FF2B5EF4-FFF2-40B4-BE49-F238E27FC236}">
+                <a16:creationId xmlns:a16="http://schemas.microsoft.com/office/drawing/2014/main" id="{64A78E3A-F319-4EC3-B732-4301B84C2ABE}"/>
+              </a:ext>
+            </a:extLst>
+          </p:cNvPr>
+          <p:cNvSpPr txBox="1"/>
+          <p:nvPr/>
+        </p:nvSpPr>
+        <p:spPr>
+          <a:xfrm>
+            <a:off x="1068619" y="872999"/>
+            <a:ext cx="787395" cy="307777"/>
+          </a:xfrm>
+          <a:prstGeom prst="rect">
+            <a:avLst/>
+          </a:prstGeom>
+          <a:noFill/>
+        </p:spPr>
+        <p:txBody>
+          <a:bodyPr wrap="none" rtlCol="0">
+            <a:spAutoFit/>
+          </a:bodyPr>
+          <a:lstStyle/>
+          <a:p>
+            <a:r>
+              <a:rPr lang="en-US" sz="1400" b="1" dirty="0"/>
+              <a:t>EMAZID</a:t>
+            </a:r>
+          </a:p>
+        </p:txBody>
+      </p:sp>
+      <p:sp>
+        <p:nvSpPr>
+          <p:cNvPr id="168" name="TextBox 167">
+            <a:extLst>
+              <a:ext uri="{FF2B5EF4-FFF2-40B4-BE49-F238E27FC236}">
+                <a16:creationId xmlns:a16="http://schemas.microsoft.com/office/drawing/2014/main" id="{3996784D-A452-40A0-9B97-22A98A460EF6}"/>
+              </a:ext>
+            </a:extLst>
+          </p:cNvPr>
+          <p:cNvSpPr txBox="1"/>
+          <p:nvPr/>
+        </p:nvSpPr>
+        <p:spPr>
+          <a:xfrm>
+            <a:off x="2014967" y="891755"/>
+            <a:ext cx="786049" cy="307777"/>
+          </a:xfrm>
+          <a:prstGeom prst="rect">
+            <a:avLst/>
+          </a:prstGeom>
+          <a:noFill/>
+        </p:spPr>
+        <p:txBody>
+          <a:bodyPr wrap="none" rtlCol="0">
+            <a:spAutoFit/>
+          </a:bodyPr>
+          <a:lstStyle/>
+          <a:p>
+            <a:r>
+              <a:rPr lang="en-US" sz="1400" b="1" dirty="0"/>
+              <a:t>LIPICON</a:t>
+            </a:r>
+          </a:p>
+        </p:txBody>
+      </p:sp>
+      <p:sp>
+        <p:nvSpPr>
+          <p:cNvPr id="169" name="TextBox 168">
+            <a:extLst>
+              <a:ext uri="{FF2B5EF4-FFF2-40B4-BE49-F238E27FC236}">
+                <a16:creationId xmlns:a16="http://schemas.microsoft.com/office/drawing/2014/main" id="{BF8573BC-6CBA-483E-AB5F-EB6487872E3B}"/>
+              </a:ext>
+            </a:extLst>
+          </p:cNvPr>
+          <p:cNvSpPr txBox="1"/>
+          <p:nvPr/>
+        </p:nvSpPr>
+        <p:spPr>
+          <a:xfrm>
+            <a:off x="3045599" y="891754"/>
+            <a:ext cx="624915" cy="307777"/>
+          </a:xfrm>
+          <a:prstGeom prst="rect">
+            <a:avLst/>
+          </a:prstGeom>
+          <a:noFill/>
+        </p:spPr>
+        <p:txBody>
+          <a:bodyPr wrap="none" rtlCol="0">
+            <a:spAutoFit/>
+          </a:bodyPr>
+          <a:lstStyle/>
+          <a:p>
+            <a:r>
+              <a:rPr lang="en-US" sz="1400" b="1" dirty="0"/>
+              <a:t>AGLIP</a:t>
+            </a:r>
+          </a:p>
+        </p:txBody>
+      </p:sp>
+      <p:sp>
+        <p:nvSpPr>
+          <p:cNvPr id="170" name="TextBox 169">
+            <a:extLst>
+              <a:ext uri="{FF2B5EF4-FFF2-40B4-BE49-F238E27FC236}">
+                <a16:creationId xmlns:a16="http://schemas.microsoft.com/office/drawing/2014/main" id="{DF083072-630F-4F0A-8176-4DC344F4105A}"/>
+              </a:ext>
+            </a:extLst>
+          </p:cNvPr>
+          <p:cNvSpPr txBox="1"/>
+          <p:nvPr/>
+        </p:nvSpPr>
+        <p:spPr>
+          <a:xfrm>
+            <a:off x="3934028" y="913473"/>
+            <a:ext cx="734496" cy="307777"/>
+          </a:xfrm>
+          <a:prstGeom prst="rect">
+            <a:avLst/>
+          </a:prstGeom>
+          <a:noFill/>
+        </p:spPr>
+        <p:txBody>
+          <a:bodyPr wrap="none" rtlCol="0">
+            <a:spAutoFit/>
+          </a:bodyPr>
+          <a:lstStyle/>
+          <a:p>
+            <a:r>
+              <a:rPr lang="en-US" sz="1400" b="1" dirty="0"/>
+              <a:t>CIFIBET</a:t>
+            </a:r>
+          </a:p>
+        </p:txBody>
+      </p:sp>
+      <p:sp>
+        <p:nvSpPr>
+          <p:cNvPr id="171" name="TextBox 170">
+            <a:extLst>
+              <a:ext uri="{FF2B5EF4-FFF2-40B4-BE49-F238E27FC236}">
+                <a16:creationId xmlns:a16="http://schemas.microsoft.com/office/drawing/2014/main" id="{1F6DCEB0-6994-4FC3-A319-878B85152FEB}"/>
+              </a:ext>
+            </a:extLst>
+          </p:cNvPr>
+          <p:cNvSpPr txBox="1"/>
+          <p:nvPr/>
+        </p:nvSpPr>
+        <p:spPr>
+          <a:xfrm>
+            <a:off x="4805076" y="898565"/>
+            <a:ext cx="838371" cy="307777"/>
+          </a:xfrm>
+          <a:prstGeom prst="rect">
+            <a:avLst/>
+          </a:prstGeom>
+          <a:noFill/>
+        </p:spPr>
+        <p:txBody>
+          <a:bodyPr wrap="none" rtlCol="0">
+            <a:spAutoFit/>
+          </a:bodyPr>
+          <a:lstStyle/>
+          <a:p>
+            <a:r>
+              <a:rPr lang="en-US" sz="1400" b="1" dirty="0"/>
+              <a:t>AMLEVO</a:t>
+            </a:r>
+          </a:p>
+        </p:txBody>
+      </p:sp>
+      <p:sp>
+        <p:nvSpPr>
+          <p:cNvPr id="172" name="TextBox 171">
+            <a:extLst>
+              <a:ext uri="{FF2B5EF4-FFF2-40B4-BE49-F238E27FC236}">
+                <a16:creationId xmlns:a16="http://schemas.microsoft.com/office/drawing/2014/main" id="{6CBE6A6E-DF0E-4858-8F10-C0C8859C102B}"/>
+              </a:ext>
+            </a:extLst>
+          </p:cNvPr>
+          <p:cNvSpPr txBox="1"/>
+          <p:nvPr/>
+        </p:nvSpPr>
+        <p:spPr>
+          <a:xfrm>
+            <a:off x="5701823" y="900355"/>
+            <a:ext cx="953002" cy="307777"/>
+          </a:xfrm>
+          <a:prstGeom prst="rect">
+            <a:avLst/>
+          </a:prstGeom>
+          <a:noFill/>
+        </p:spPr>
+        <p:txBody>
+          <a:bodyPr wrap="square" rtlCol="0">
+            <a:spAutoFit/>
+          </a:bodyPr>
+          <a:lstStyle/>
+          <a:p>
+            <a:r>
+              <a:rPr lang="en-US" sz="1400" b="1" dirty="0"/>
+              <a:t>CARDOBIS</a:t>
+            </a:r>
+          </a:p>
+        </p:txBody>
+      </p:sp>
+      <p:sp>
+        <p:nvSpPr>
+          <p:cNvPr id="173" name="TextBox 172">
+            <a:extLst>
+              <a:ext uri="{FF2B5EF4-FFF2-40B4-BE49-F238E27FC236}">
+                <a16:creationId xmlns:a16="http://schemas.microsoft.com/office/drawing/2014/main" id="{F502320B-C66B-4C70-8469-60AD83AE21E5}"/>
+              </a:ext>
+            </a:extLst>
+          </p:cNvPr>
+          <p:cNvSpPr txBox="1"/>
+          <p:nvPr/>
+        </p:nvSpPr>
+        <p:spPr>
+          <a:xfrm>
+            <a:off x="6724976" y="913473"/>
+            <a:ext cx="853311" cy="307777"/>
+          </a:xfrm>
+          <a:prstGeom prst="rect">
+            <a:avLst/>
+          </a:prstGeom>
+          <a:noFill/>
+        </p:spPr>
+        <p:txBody>
+          <a:bodyPr wrap="none" rtlCol="0">
+            <a:spAutoFit/>
+          </a:bodyPr>
+          <a:lstStyle/>
+          <a:p>
+            <a:r>
+              <a:rPr lang="en-US" sz="1400" b="1" dirty="0"/>
+              <a:t>RIVAROX</a:t>
+            </a:r>
+          </a:p>
+        </p:txBody>
+      </p:sp>
+      <p:sp>
+        <p:nvSpPr>
+          <p:cNvPr id="174" name="TextBox 173">
+            <a:extLst>
+              <a:ext uri="{FF2B5EF4-FFF2-40B4-BE49-F238E27FC236}">
+                <a16:creationId xmlns:a16="http://schemas.microsoft.com/office/drawing/2014/main" id="{7B11BEE6-8885-4211-BFE9-147FF59C9E54}"/>
+              </a:ext>
+            </a:extLst>
+          </p:cNvPr>
+          <p:cNvSpPr txBox="1"/>
+          <p:nvPr/>
+        </p:nvSpPr>
+        <p:spPr>
+          <a:xfrm>
+            <a:off x="7641274" y="906107"/>
+            <a:ext cx="827534" cy="307777"/>
+          </a:xfrm>
+          <a:prstGeom prst="rect">
+            <a:avLst/>
+          </a:prstGeom>
+          <a:noFill/>
+        </p:spPr>
+        <p:txBody>
+          <a:bodyPr wrap="none" rtlCol="0">
+            <a:spAutoFit/>
+          </a:bodyPr>
+          <a:lstStyle/>
+          <a:p>
+            <a:r>
+              <a:rPr lang="en-US" sz="1400" b="1" dirty="0"/>
+              <a:t>NOCLOG</a:t>
+            </a:r>
+          </a:p>
+        </p:txBody>
+      </p:sp>
+      <p:sp>
+        <p:nvSpPr>
+          <p:cNvPr id="175" name="TextBox 174">
+            <a:extLst>
+              <a:ext uri="{FF2B5EF4-FFF2-40B4-BE49-F238E27FC236}">
+                <a16:creationId xmlns:a16="http://schemas.microsoft.com/office/drawing/2014/main" id="{7B166425-BD08-4DFE-91A7-3A99E870114A}"/>
+              </a:ext>
+            </a:extLst>
+          </p:cNvPr>
+          <p:cNvSpPr txBox="1"/>
+          <p:nvPr/>
+        </p:nvSpPr>
+        <p:spPr>
+          <a:xfrm>
+            <a:off x="9553623" y="903657"/>
+            <a:ext cx="849015" cy="307777"/>
+          </a:xfrm>
+          <a:prstGeom prst="rect">
+            <a:avLst/>
+          </a:prstGeom>
+          <a:noFill/>
+        </p:spPr>
+        <p:txBody>
+          <a:bodyPr wrap="none" rtlCol="0">
+            <a:spAutoFit/>
+          </a:bodyPr>
+          <a:lstStyle/>
+          <a:p>
+            <a:r>
+              <a:rPr lang="en-US" sz="1400" b="1" dirty="0"/>
+              <a:t>AROTIDE</a:t>
+            </a:r>
+          </a:p>
+        </p:txBody>
+      </p:sp>
+      <p:sp>
+        <p:nvSpPr>
+          <p:cNvPr id="176" name="TextBox 175">
+            <a:extLst>
+              <a:ext uri="{FF2B5EF4-FFF2-40B4-BE49-F238E27FC236}">
+                <a16:creationId xmlns:a16="http://schemas.microsoft.com/office/drawing/2014/main" id="{0D77966B-2801-49D0-8274-23B37E6D75F7}"/>
+              </a:ext>
+            </a:extLst>
+          </p:cNvPr>
+          <p:cNvSpPr txBox="1"/>
+          <p:nvPr/>
+        </p:nvSpPr>
+        <p:spPr>
+          <a:xfrm>
+            <a:off x="10485806" y="920746"/>
+            <a:ext cx="885435" cy="307777"/>
+          </a:xfrm>
+          <a:prstGeom prst="rect">
+            <a:avLst/>
+          </a:prstGeom>
+          <a:noFill/>
+        </p:spPr>
+        <p:txBody>
+          <a:bodyPr wrap="none" rtlCol="0">
+            <a:spAutoFit/>
+          </a:bodyPr>
+          <a:lstStyle/>
+          <a:p>
+            <a:r>
+              <a:rPr lang="en-US" sz="1400" b="1" dirty="0"/>
+              <a:t>FOBUNID</a:t>
+            </a:r>
+          </a:p>
+        </p:txBody>
+      </p:sp>
+      <p:sp>
+        <p:nvSpPr>
+          <p:cNvPr id="177" name="TextBox 176">
+            <a:extLst>
+              <a:ext uri="{FF2B5EF4-FFF2-40B4-BE49-F238E27FC236}">
+                <a16:creationId xmlns:a16="http://schemas.microsoft.com/office/drawing/2014/main" id="{3C0046B9-17F0-4D59-A1CA-49DAD0483C66}"/>
+              </a:ext>
+            </a:extLst>
+          </p:cNvPr>
+          <p:cNvSpPr txBox="1"/>
+          <p:nvPr/>
+        </p:nvSpPr>
+        <p:spPr>
+          <a:xfrm>
+            <a:off x="8594077" y="891217"/>
+            <a:ext cx="827655" cy="316451"/>
+          </a:xfrm>
+          <a:prstGeom prst="rect">
+            <a:avLst/>
+          </a:prstGeom>
+          <a:noFill/>
+        </p:spPr>
+        <p:txBody>
+          <a:bodyPr wrap="square">
+            <a:spAutoFit/>
+          </a:bodyPr>
+          <a:lstStyle/>
+          <a:p>
+            <a:r>
+              <a:rPr lang="en-US" sz="1400" b="1" dirty="0"/>
+              <a:t>BEMPID</a:t>
+            </a:r>
+          </a:p>
+        </p:txBody>
+      </p:sp>
+    </p:spTree>
+    <p:extLst>
+      <p:ext uri="{BB962C8B-B14F-4D97-AF65-F5344CB8AC3E}">
+        <p14:creationId xmlns:p14="http://schemas.microsoft.com/office/powerpoint/2010/main" val="1766654482"/>
+      </p:ext>
+    </p:extLst>
+  </p:cSld>
+  <p:clrMapOvr>
+    <a:masterClrMapping/>
+  </p:clrMapOvr>
+</p:sld>
+</file>
+
 <file path=ppt/theme/theme1.xml><?xml version="1.0" encoding="utf-8"?>
 <a:theme xmlns:a="http://schemas.openxmlformats.org/drawingml/2006/main" name="Office Theme">
   <a:themeElements>
